--- a/AI_Superpowers_Workshop_v3.pptx
+++ b/AI_Superpowers_Workshop_v3.pptx
@@ -4,6 +4,9 @@
   <p:sldMasterIdLst>
     <p:sldMasterId id="2147483648" r:id="rId1"/>
   </p:sldMasterIdLst>
+  <p:notesMasterIdLst>
+    <p:notesMasterId r:id="rId17"/>
+  </p:notesMasterIdLst>
   <p:sldIdLst>
     <p:sldId id="256" r:id="rId2"/>
     <p:sldId id="257" r:id="rId3"/>
@@ -21,10 +24,7 @@
     <p:sldId id="269" r:id="rId15"/>
     <p:sldId id="270" r:id="rId16"/>
   </p:sldIdLst>
-  <p:notesMasterIdLst>
-    <p:notesMasterId r:id="rId17"/>
-  </p:notesMasterIdLst>
-  <p:sldSz cx="9144000" cy="5143500"/>
+  <p:sldSz cx="9144000" cy="5143500" type="screen16x9"/>
   <p:notesSz cx="5143500" cy="9144000"/>
   <p:defaultTextStyle>
     <a:lvl1pPr marL="0" algn="l" defTabSz="914400" rtl="0" eaLnBrk="1" latinLnBrk="0" hangingPunct="1">
@@ -118,7 +118,111 @@
       </a:defRPr>
     </a:lvl9pPr>
   </p:defaultTextStyle>
+  <p:extLst>
+    <p:ext uri="{EFAFB233-063F-42B5-8137-9DF3F51BA10A}">
+      <p15:sldGuideLst xmlns:p15="http://schemas.microsoft.com/office/powerpoint/2012/main"/>
+    </p:ext>
+  </p:extLst>
 </p:presentation>
+</file>
+
+<file path=ppt/revisionInfo.xml><?xml version="1.0" encoding="utf-8"?>
+<p1510:revInfo xmlns:a="http://schemas.openxmlformats.org/drawingml/2006/main" xmlns:r="http://schemas.openxmlformats.org/officeDocument/2006/relationships" xmlns:p1510="http://schemas.microsoft.com/office/powerpoint/2015/10/main">
+  <p1510:revLst>
+    <p1510:client id="{CE4C23B9-7D2D-FF0E-2BC6-8302B10A8CEF}" v="28" dt="2026-01-19T23:07:00.915"/>
+  </p1510:revLst>
+</p1510:revInfo>
+</file>
+
+<file path=ppt/changesInfos/changesInfo1.xml><?xml version="1.0" encoding="utf-8"?>
+<pc:chgInfo xmlns:a="http://schemas.openxmlformats.org/drawingml/2006/main" xmlns:r="http://schemas.openxmlformats.org/officeDocument/2006/relationships" xmlns:ac="http://schemas.microsoft.com/office/drawing/2013/main/command" xmlns:pc="http://schemas.microsoft.com/office/powerpoint/2013/main/command">
+  <pc:docChgLst>
+    <pc:chgData name="Guest User" providerId="Windows Live" clId="Web-{CE4C23B9-7D2D-FF0E-2BC6-8302B10A8CEF}"/>
+    <pc:docChg chg="modSld">
+      <pc:chgData name="Guest User" userId="" providerId="Windows Live" clId="Web-{CE4C23B9-7D2D-FF0E-2BC6-8302B10A8CEF}" dt="2026-01-19T23:07:00.915" v="21" actId="14100"/>
+      <pc:docMkLst>
+        <pc:docMk/>
+      </pc:docMkLst>
+      <pc:sldChg chg="modSp">
+        <pc:chgData name="Guest User" userId="" providerId="Windows Live" clId="Web-{CE4C23B9-7D2D-FF0E-2BC6-8302B10A8CEF}" dt="2026-01-19T23:05:51.226" v="2" actId="20577"/>
+        <pc:sldMkLst>
+          <pc:docMk/>
+          <pc:sldMk cId="0" sldId="256"/>
+        </pc:sldMkLst>
+        <pc:spChg chg="mod">
+          <ac:chgData name="Guest User" userId="" providerId="Windows Live" clId="Web-{CE4C23B9-7D2D-FF0E-2BC6-8302B10A8CEF}" dt="2026-01-19T23:05:51.226" v="2" actId="20577"/>
+          <ac:spMkLst>
+            <pc:docMk/>
+            <pc:sldMk cId="0" sldId="256"/>
+            <ac:spMk id="14" creationId="{00000000-0000-0000-0000-000000000000}"/>
+          </ac:spMkLst>
+        </pc:spChg>
+      </pc:sldChg>
+      <pc:sldChg chg="modSp">
+        <pc:chgData name="Guest User" userId="" providerId="Windows Live" clId="Web-{CE4C23B9-7D2D-FF0E-2BC6-8302B10A8CEF}" dt="2026-01-19T23:06:49.227" v="20" actId="20577"/>
+        <pc:sldMkLst>
+          <pc:docMk/>
+          <pc:sldMk cId="0" sldId="257"/>
+        </pc:sldMkLst>
+        <pc:spChg chg="mod">
+          <ac:chgData name="Guest User" userId="" providerId="Windows Live" clId="Web-{CE4C23B9-7D2D-FF0E-2BC6-8302B10A8CEF}" dt="2026-01-19T23:06:17.711" v="12" actId="20577"/>
+          <ac:spMkLst>
+            <pc:docMk/>
+            <pc:sldMk cId="0" sldId="257"/>
+            <ac:spMk id="5" creationId="{00000000-0000-0000-0000-000000000000}"/>
+          </ac:spMkLst>
+        </pc:spChg>
+        <pc:spChg chg="mod">
+          <ac:chgData name="Guest User" userId="" providerId="Windows Live" clId="Web-{CE4C23B9-7D2D-FF0E-2BC6-8302B10A8CEF}" dt="2026-01-19T23:06:45.696" v="17" actId="20577"/>
+          <ac:spMkLst>
+            <pc:docMk/>
+            <pc:sldMk cId="0" sldId="257"/>
+            <ac:spMk id="13" creationId="{00000000-0000-0000-0000-000000000000}"/>
+          </ac:spMkLst>
+        </pc:spChg>
+        <pc:spChg chg="mod">
+          <ac:chgData name="Guest User" userId="" providerId="Windows Live" clId="Web-{CE4C23B9-7D2D-FF0E-2BC6-8302B10A8CEF}" dt="2026-01-19T23:06:39.899" v="15" actId="20577"/>
+          <ac:spMkLst>
+            <pc:docMk/>
+            <pc:sldMk cId="0" sldId="257"/>
+            <ac:spMk id="18" creationId="{00000000-0000-0000-0000-000000000000}"/>
+          </ac:spMkLst>
+        </pc:spChg>
+        <pc:spChg chg="mod">
+          <ac:chgData name="Guest User" userId="" providerId="Windows Live" clId="Web-{CE4C23B9-7D2D-FF0E-2BC6-8302B10A8CEF}" dt="2026-01-19T23:06:47.977" v="18" actId="20577"/>
+          <ac:spMkLst>
+            <pc:docMk/>
+            <pc:sldMk cId="0" sldId="257"/>
+            <ac:spMk id="30" creationId="{00000000-0000-0000-0000-000000000000}"/>
+          </ac:spMkLst>
+        </pc:spChg>
+        <pc:spChg chg="mod">
+          <ac:chgData name="Guest User" userId="" providerId="Windows Live" clId="Web-{CE4C23B9-7D2D-FF0E-2BC6-8302B10A8CEF}" dt="2026-01-19T23:06:49.227" v="20" actId="20577"/>
+          <ac:spMkLst>
+            <pc:docMk/>
+            <pc:sldMk cId="0" sldId="257"/>
+            <ac:spMk id="32" creationId="{00000000-0000-0000-0000-000000000000}"/>
+          </ac:spMkLst>
+        </pc:spChg>
+      </pc:sldChg>
+      <pc:sldChg chg="modSp">
+        <pc:chgData name="Guest User" userId="" providerId="Windows Live" clId="Web-{CE4C23B9-7D2D-FF0E-2BC6-8302B10A8CEF}" dt="2026-01-19T23:07:00.915" v="21" actId="14100"/>
+        <pc:sldMkLst>
+          <pc:docMk/>
+          <pc:sldMk cId="0" sldId="258"/>
+        </pc:sldMkLst>
+        <pc:spChg chg="mod">
+          <ac:chgData name="Guest User" userId="" providerId="Windows Live" clId="Web-{CE4C23B9-7D2D-FF0E-2BC6-8302B10A8CEF}" dt="2026-01-19T23:07:00.915" v="21" actId="14100"/>
+          <ac:spMkLst>
+            <pc:docMk/>
+            <pc:sldMk cId="0" sldId="258"/>
+            <ac:spMk id="7" creationId="{00000000-0000-0000-0000-000000000000}"/>
+          </ac:spMkLst>
+        </pc:spChg>
+      </pc:sldChg>
+    </pc:docChg>
+  </pc:docChgLst>
+</pc:chgInfo>
 </file>
 
 <file path=ppt/notesMasters/notesMaster1.xml><?xml version="1.0" encoding="utf-8"?>
@@ -156,7 +260,7 @@
         <p:spPr>
           <a:xfrm>
             <a:off x="0" y="0"/>
-            <a:ext cx="2971800" cy="458788"/>
+            <a:ext cx="2228850" cy="458788"/>
           </a:xfrm>
           <a:prstGeom prst="rect">
             <a:avLst/>
@@ -186,8 +290,8 @@
         </p:nvSpPr>
         <p:spPr>
           <a:xfrm>
-            <a:off x="3884613" y="0"/>
-            <a:ext cx="2971800" cy="458788"/>
+            <a:off x="2913063" y="0"/>
+            <a:ext cx="2228850" cy="458788"/>
           </a:xfrm>
           <a:prstGeom prst="rect">
             <a:avLst/>
@@ -201,9 +305,8 @@
             </a:lvl1pPr>
           </a:lstStyle>
           <a:p>
-            <a:fld id="{5282F153-3F37-0F45-9E97-73ACFA13230C}" type="datetimeFigureOut">
-              <a:rPr lang="en-US"/>
-              <a:t>7/23/19</a:t>
+            <a:fld id="{1A33EEAD-A875-40C0-995A-1210F6271A95}" type="datetimeFigureOut">
+              <a:t>1/19/2026</a:t>
             </a:fld>
             <a:endParaRPr lang="en-US"/>
           </a:p>
@@ -221,7 +324,7 @@
         </p:nvSpPr>
         <p:spPr>
           <a:xfrm>
-            <a:off x="685800" y="1143000"/>
+            <a:off x="-171450" y="1143000"/>
             <a:ext cx="5486400" cy="3086100"/>
           </a:xfrm>
           <a:prstGeom prst="rect">
@@ -254,8 +357,8 @@
         </p:nvSpPr>
         <p:spPr>
           <a:xfrm>
-            <a:off x="685800" y="4400550"/>
-            <a:ext cx="5486400" cy="3600450"/>
+            <a:off x="514350" y="4400550"/>
+            <a:ext cx="4114800" cy="3600450"/>
           </a:xfrm>
           <a:prstGeom prst="rect">
             <a:avLst/>
@@ -314,7 +417,7 @@
         <p:spPr>
           <a:xfrm>
             <a:off x="0" y="8685213"/>
-            <a:ext cx="2971800" cy="458787"/>
+            <a:ext cx="2228850" cy="458787"/>
           </a:xfrm>
           <a:prstGeom prst="rect">
             <a:avLst/>
@@ -344,8 +447,8 @@
         </p:nvSpPr>
         <p:spPr>
           <a:xfrm>
-            <a:off x="3884613" y="8685213"/>
-            <a:ext cx="2971800" cy="458787"/>
+            <a:off x="2913063" y="8685213"/>
+            <a:ext cx="2228850" cy="458787"/>
           </a:xfrm>
           <a:prstGeom prst="rect">
             <a:avLst/>
@@ -359,8 +462,7 @@
             </a:lvl1pPr>
           </a:lstStyle>
           <a:p>
-            <a:fld id="{CE5E9CC1-C706-0F49-92D6-E571CC5EEA8F}" type="slidenum">
-              <a:rPr lang="en-US"/>
+            <a:fld id="{8BBAE7D7-CC01-4716-A9E4-5A73B6466778}" type="slidenum">
               <a:t>‹#›</a:t>
             </a:fld>
             <a:endParaRPr lang="en-US"/>
@@ -370,7 +472,7 @@
     </p:spTree>
     <p:extLst>
       <p:ext uri="{BB962C8B-B14F-4D97-AF65-F5344CB8AC3E}">
-        <p14:creationId xmlns:p14="http://schemas.microsoft.com/office/powerpoint/2010/main" val="1024086991"/>
+        <p14:creationId xmlns:p14="http://schemas.microsoft.com/office/powerpoint/2010/main" val="3888780567"/>
       </p:ext>
     </p:extLst>
   </p:cSld>
@@ -514,10 +616,6 @@
           <a:bodyPr/>
           <a:lstStyle/>
           <a:p>
-            <a:r>
-              <a:rPr lang="en-US" dirty="0"/>
-              <a:t/>
-            </a:r>
             <a:endParaRPr lang="en-US" dirty="0"/>
           </a:p>
         </p:txBody>
@@ -602,10 +700,6 @@
           <a:bodyPr/>
           <a:lstStyle/>
           <a:p>
-            <a:r>
-              <a:rPr lang="en-US" dirty="0"/>
-              <a:t/>
-            </a:r>
             <a:endParaRPr lang="en-US" dirty="0"/>
           </a:p>
         </p:txBody>
@@ -690,10 +784,6 @@
           <a:bodyPr/>
           <a:lstStyle/>
           <a:p>
-            <a:r>
-              <a:rPr lang="en-US" dirty="0"/>
-              <a:t/>
-            </a:r>
             <a:endParaRPr lang="en-US" dirty="0"/>
           </a:p>
         </p:txBody>
@@ -778,10 +868,6 @@
           <a:bodyPr/>
           <a:lstStyle/>
           <a:p>
-            <a:r>
-              <a:rPr lang="en-US" dirty="0"/>
-              <a:t/>
-            </a:r>
             <a:endParaRPr lang="en-US" dirty="0"/>
           </a:p>
         </p:txBody>
@@ -866,10 +952,6 @@
           <a:bodyPr/>
           <a:lstStyle/>
           <a:p>
-            <a:r>
-              <a:rPr lang="en-US" dirty="0"/>
-              <a:t/>
-            </a:r>
             <a:endParaRPr lang="en-US" dirty="0"/>
           </a:p>
         </p:txBody>
@@ -954,10 +1036,6 @@
           <a:bodyPr/>
           <a:lstStyle/>
           <a:p>
-            <a:r>
-              <a:rPr lang="en-US" dirty="0"/>
-              <a:t/>
-            </a:r>
             <a:endParaRPr lang="en-US" dirty="0"/>
           </a:p>
         </p:txBody>
@@ -1042,10 +1120,6 @@
           <a:bodyPr/>
           <a:lstStyle/>
           <a:p>
-            <a:r>
-              <a:rPr lang="en-US" dirty="0"/>
-              <a:t/>
-            </a:r>
             <a:endParaRPr lang="en-US" dirty="0"/>
           </a:p>
         </p:txBody>
@@ -1130,10 +1204,6 @@
           <a:bodyPr/>
           <a:lstStyle/>
           <a:p>
-            <a:r>
-              <a:rPr lang="en-US" dirty="0"/>
-              <a:t/>
-            </a:r>
             <a:endParaRPr lang="en-US" dirty="0"/>
           </a:p>
         </p:txBody>
@@ -1218,10 +1288,6 @@
           <a:bodyPr/>
           <a:lstStyle/>
           <a:p>
-            <a:r>
-              <a:rPr lang="en-US" dirty="0"/>
-              <a:t/>
-            </a:r>
             <a:endParaRPr lang="en-US" dirty="0"/>
           </a:p>
         </p:txBody>
@@ -1306,10 +1372,6 @@
           <a:bodyPr/>
           <a:lstStyle/>
           <a:p>
-            <a:r>
-              <a:rPr lang="en-US" dirty="0"/>
-              <a:t/>
-            </a:r>
             <a:endParaRPr lang="en-US" dirty="0"/>
           </a:p>
         </p:txBody>
@@ -1394,10 +1456,6 @@
           <a:bodyPr/>
           <a:lstStyle/>
           <a:p>
-            <a:r>
-              <a:rPr lang="en-US" dirty="0"/>
-              <a:t/>
-            </a:r>
             <a:endParaRPr lang="en-US" dirty="0"/>
           </a:p>
         </p:txBody>
@@ -1482,10 +1540,6 @@
           <a:bodyPr/>
           <a:lstStyle/>
           <a:p>
-            <a:r>
-              <a:rPr lang="en-US" dirty="0"/>
-              <a:t/>
-            </a:r>
             <a:endParaRPr lang="en-US" dirty="0"/>
           </a:p>
         </p:txBody>
@@ -1570,10 +1624,6 @@
           <a:bodyPr/>
           <a:lstStyle/>
           <a:p>
-            <a:r>
-              <a:rPr lang="en-US" dirty="0"/>
-              <a:t/>
-            </a:r>
             <a:endParaRPr lang="en-US" dirty="0"/>
           </a:p>
         </p:txBody>
@@ -1658,10 +1708,6 @@
           <a:bodyPr/>
           <a:lstStyle/>
           <a:p>
-            <a:r>
-              <a:rPr lang="en-US" dirty="0"/>
-              <a:t/>
-            </a:r>
             <a:endParaRPr lang="en-US" dirty="0"/>
           </a:p>
         </p:txBody>
@@ -1746,10 +1792,6 @@
           <a:bodyPr/>
           <a:lstStyle/>
           <a:p>
-            <a:r>
-              <a:rPr lang="en-US" dirty="0"/>
-              <a:t/>
-            </a:r>
             <a:endParaRPr lang="en-US" dirty="0"/>
           </a:p>
         </p:txBody>
@@ -1823,6 +1865,11 @@
 <file path=ppt/slideMasters/slideMaster1.xml><?xml version="1.0" encoding="utf-8"?>
 <p:sldMaster xmlns:a="http://schemas.openxmlformats.org/drawingml/2006/main" xmlns:r="http://schemas.openxmlformats.org/officeDocument/2006/relationships" xmlns:p="http://schemas.openxmlformats.org/presentationml/2006/main">
   <p:cSld>
+    <p:bg>
+      <p:bgRef idx="1001">
+        <a:schemeClr val="bg1"/>
+      </p:bgRef>
+    </p:bg>
     <p:spTree>
       <p:nvGrpSpPr>
         <p:cNvPr id="1" name=""/>
@@ -2105,6 +2152,7 @@
         <a:solidFill>
           <a:srgbClr val="0A0E27"/>
         </a:solidFill>
+        <a:effectLst/>
       </p:bgPr>
     </p:bg>
     <p:spTree>
@@ -2414,7 +2462,7 @@
           <a:bodyPr wrap="square" rtlCol="0" anchor="ctr"/>
           <a:lstStyle/>
           <a:p>
-            <a:pPr indent="0" marL="0">
+            <a:pPr marL="0" indent="0">
               <a:buNone/>
             </a:pPr>
             <a:r>
@@ -2450,24 +2498,28 @@
           <a:ln/>
         </p:spPr>
         <p:txBody>
-          <a:bodyPr wrap="square" rtlCol="0" anchor="ctr"/>
-          <a:lstStyle/>
-          <a:p>
-            <a:pPr indent="0" marL="0">
-              <a:buNone/>
-            </a:pPr>
-            <a:r>
-              <a:rPr lang="en-US" sz="5200" b="1" dirty="0">
+          <a:bodyPr wrap="square" lIns="91440" tIns="45720" rIns="91440" bIns="45720" rtlCol="0" anchor="ctr"/>
+          <a:lstStyle/>
+          <a:p>
+            <a:pPr marL="0" indent="0">
+              <a:buNone/>
+            </a:pPr>
+            <a:r>
+              <a:rPr lang="en-US" sz="4000" b="1" dirty="0">
                 <a:solidFill>
                   <a:srgbClr val="00F5FF"/>
                 </a:solidFill>
-                <a:latin typeface="Arial" pitchFamily="34" charset="0"/>
-                <a:ea typeface="Arial" pitchFamily="34" charset="-122"/>
-                <a:cs typeface="Arial" pitchFamily="34" charset="-120"/>
+                <a:latin typeface="Arial"/>
+                <a:ea typeface="Arial" pitchFamily="34" charset="-122"/>
+                <a:cs typeface="Arial"/>
               </a:rPr>
               <a:t>SUPERPOWERS</a:t>
             </a:r>
-            <a:endParaRPr lang="en-US" sz="5200" dirty="0"/>
+            <a:endParaRPr lang="en-US" sz="4000">
+              <a:latin typeface="Arial"/>
+              <a:ea typeface="Calibri"/>
+              <a:cs typeface="Calibri"/>
+            </a:endParaRPr>
           </a:p>
         </p:txBody>
       </p:sp>
@@ -2517,11 +2569,11 @@
           <a:bodyPr wrap="square" rtlCol="0" anchor="ctr"/>
           <a:lstStyle/>
           <a:p>
-            <a:pPr indent="0" marL="0">
-              <a:buNone/>
-            </a:pPr>
-            <a:r>
-              <a:rPr lang="en-US" sz="2000" b="1" spc="800" kern="0" dirty="0">
+            <a:pPr marL="0" indent="0">
+              <a:buNone/>
+            </a:pPr>
+            <a:r>
+              <a:rPr lang="en-US" sz="2000" b="1" kern="0" spc="800" dirty="0">
                 <a:solidFill>
                   <a:srgbClr val="8892B0"/>
                 </a:solidFill>
@@ -2556,7 +2608,7 @@
           <a:bodyPr wrap="square" rtlCol="0" anchor="ctr"/>
           <a:lstStyle/>
           <a:p>
-            <a:pPr indent="0" marL="0">
+            <a:pPr marL="0" indent="0">
               <a:buNone/>
             </a:pPr>
             <a:r>
@@ -2595,7 +2647,7 @@
           <a:bodyPr wrap="square" rtlCol="0" anchor="ctr"/>
           <a:lstStyle/>
           <a:p>
-            <a:pPr indent="0" marL="0">
+            <a:pPr marL="0" indent="0">
               <a:buNone/>
             </a:pPr>
             <a:r>
@@ -2712,7 +2764,7 @@
           <a:bodyPr wrap="square" rtlCol="0" anchor="ctr"/>
           <a:lstStyle/>
           <a:p>
-            <a:pPr algn="ctr" indent="0" marL="0">
+            <a:pPr marL="0" indent="0" algn="ctr">
               <a:buNone/>
             </a:pPr>
             <a:r>
@@ -2751,7 +2803,7 @@
           <a:bodyPr wrap="square" rtlCol="0" anchor="ctr"/>
           <a:lstStyle/>
           <a:p>
-            <a:pPr algn="ctr" indent="0" marL="0">
+            <a:pPr marL="0" indent="0" algn="ctr">
               <a:buNone/>
             </a:pPr>
             <a:r>
@@ -2790,7 +2842,7 @@
           <a:bodyPr wrap="square" rtlCol="0" anchor="ctr"/>
           <a:lstStyle/>
           <a:p>
-            <a:pPr algn="ctr" indent="0" marL="0">
+            <a:pPr marL="0" indent="0" algn="ctr">
               <a:buNone/>
             </a:pPr>
             <a:r>
@@ -2907,7 +2959,7 @@
           <a:bodyPr wrap="square" rtlCol="0" anchor="ctr"/>
           <a:lstStyle/>
           <a:p>
-            <a:pPr algn="ctr" indent="0" marL="0">
+            <a:pPr marL="0" indent="0" algn="ctr">
               <a:buNone/>
             </a:pPr>
             <a:r>
@@ -2946,7 +2998,7 @@
           <a:bodyPr wrap="square" rtlCol="0" anchor="ctr"/>
           <a:lstStyle/>
           <a:p>
-            <a:pPr algn="ctr" indent="0" marL="0">
+            <a:pPr marL="0" indent="0" algn="ctr">
               <a:buNone/>
             </a:pPr>
             <a:r>
@@ -2985,7 +3037,7 @@
           <a:bodyPr wrap="square" rtlCol="0" anchor="ctr"/>
           <a:lstStyle/>
           <a:p>
-            <a:pPr algn="ctr" indent="0" marL="0">
+            <a:pPr marL="0" indent="0" algn="ctr">
               <a:buNone/>
             </a:pPr>
             <a:r>
@@ -3102,7 +3154,7 @@
           <a:bodyPr wrap="square" rtlCol="0" anchor="ctr"/>
           <a:lstStyle/>
           <a:p>
-            <a:pPr algn="ctr" indent="0" marL="0">
+            <a:pPr marL="0" indent="0" algn="ctr">
               <a:buNone/>
             </a:pPr>
             <a:r>
@@ -3141,7 +3193,7 @@
           <a:bodyPr wrap="square" rtlCol="0" anchor="ctr"/>
           <a:lstStyle/>
           <a:p>
-            <a:pPr algn="ctr" indent="0" marL="0">
+            <a:pPr marL="0" indent="0" algn="ctr">
               <a:buNone/>
             </a:pPr>
             <a:r>
@@ -3180,7 +3232,7 @@
           <a:bodyPr wrap="square" rtlCol="0" anchor="ctr"/>
           <a:lstStyle/>
           <a:p>
-            <a:pPr algn="ctr" indent="0" marL="0">
+            <a:pPr marL="0" indent="0" algn="ctr">
               <a:buNone/>
             </a:pPr>
             <a:r>
@@ -3297,7 +3349,7 @@
           <a:bodyPr wrap="square" rtlCol="0" anchor="ctr"/>
           <a:lstStyle/>
           <a:p>
-            <a:pPr algn="ctr" indent="0" marL="0">
+            <a:pPr marL="0" indent="0" algn="ctr">
               <a:buNone/>
             </a:pPr>
             <a:r>
@@ -3336,7 +3388,7 @@
           <a:bodyPr wrap="square" rtlCol="0" anchor="ctr"/>
           <a:lstStyle/>
           <a:p>
-            <a:pPr algn="ctr" indent="0" marL="0">
+            <a:pPr marL="0" indent="0" algn="ctr">
               <a:buNone/>
             </a:pPr>
             <a:r>
@@ -3375,7 +3427,7 @@
           <a:bodyPr wrap="square" rtlCol="0" anchor="ctr"/>
           <a:lstStyle/>
           <a:p>
-            <a:pPr algn="ctr" indent="0" marL="0">
+            <a:pPr marL="0" indent="0" algn="ctr">
               <a:buNone/>
             </a:pPr>
             <a:r>
@@ -3414,7 +3466,7 @@
           <a:bodyPr wrap="square" rtlCol="0" anchor="ctr"/>
           <a:lstStyle/>
           <a:p>
-            <a:pPr algn="ctr" indent="0" marL="0">
+            <a:pPr marL="0" indent="0" algn="ctr">
               <a:buNone/>
             </a:pPr>
             <a:r>
@@ -3448,6 +3500,7 @@
         <a:solidFill>
           <a:srgbClr val="0A0E27"/>
         </a:solidFill>
+        <a:effectLst/>
       </p:bgPr>
     </p:bg>
     <p:spTree>
@@ -3556,7 +3609,7 @@
           <a:bodyPr wrap="square" rtlCol="0" anchor="ctr"/>
           <a:lstStyle/>
           <a:p>
-            <a:pPr algn="ctr" indent="0" marL="0">
+            <a:pPr marL="0" indent="0" algn="ctr">
               <a:buNone/>
             </a:pPr>
             <a:r>
@@ -3595,7 +3648,7 @@
           <a:bodyPr wrap="square" rtlCol="0" anchor="ctr"/>
           <a:lstStyle/>
           <a:p>
-            <a:pPr indent="0" marL="0">
+            <a:pPr marL="0" indent="0">
               <a:buNone/>
             </a:pPr>
             <a:r>
@@ -3634,7 +3687,7 @@
           <a:bodyPr wrap="square" rtlCol="0" anchor="ctr"/>
           <a:lstStyle/>
           <a:p>
-            <a:pPr indent="0" marL="0">
+            <a:pPr marL="0" indent="0">
               <a:buNone/>
             </a:pPr>
             <a:r>
@@ -3673,7 +3726,7 @@
           <a:bodyPr wrap="square" rtlCol="0" anchor="ctr"/>
           <a:lstStyle/>
           <a:p>
-            <a:pPr indent="0" marL="0">
+            <a:pPr marL="0" indent="0">
               <a:buNone/>
             </a:pPr>
             <a:r>
@@ -3766,7 +3819,7 @@
           <a:bodyPr wrap="square" rtlCol="0" anchor="ctr"/>
           <a:lstStyle/>
           <a:p>
-            <a:pPr indent="0" marL="0">
+            <a:pPr marL="0" indent="0">
               <a:buNone/>
             </a:pPr>
             <a:r>
@@ -3805,7 +3858,7 @@
           <a:bodyPr wrap="square" rtlCol="0" anchor="ctr"/>
           <a:lstStyle/>
           <a:p>
-            <a:pPr indent="0" marL="0">
+            <a:pPr marL="0" indent="0">
               <a:buNone/>
             </a:pPr>
             <a:r>
@@ -3844,7 +3897,7 @@
           <a:bodyPr wrap="square" rtlCol="0" anchor="ctr"/>
           <a:lstStyle/>
           <a:p>
-            <a:pPr indent="0" marL="0">
+            <a:pPr marL="0" indent="0">
               <a:buNone/>
             </a:pPr>
             <a:r>
@@ -3907,7 +3960,7 @@
           <a:bodyPr wrap="square" rtlCol="0" anchor="ctr"/>
           <a:lstStyle/>
           <a:p>
-            <a:pPr indent="0" marL="0">
+            <a:pPr marL="0" indent="0">
               <a:buNone/>
             </a:pPr>
             <a:r>
@@ -3946,7 +3999,7 @@
           <a:bodyPr wrap="square" rtlCol="0" anchor="ctr"/>
           <a:lstStyle/>
           <a:p>
-            <a:pPr indent="0" marL="0">
+            <a:pPr marL="0" indent="0">
               <a:buNone/>
             </a:pPr>
             <a:r>
@@ -4009,7 +4062,7 @@
           <a:bodyPr wrap="square" rtlCol="0" anchor="ctr"/>
           <a:lstStyle/>
           <a:p>
-            <a:pPr indent="0" marL="0">
+            <a:pPr marL="0" indent="0">
               <a:buNone/>
             </a:pPr>
             <a:r>
@@ -4077,7 +4130,7 @@
           <a:bodyPr wrap="square" rtlCol="0" anchor="ctr"/>
           <a:lstStyle/>
           <a:p>
-            <a:pPr indent="0" marL="0">
+            <a:pPr marL="0" indent="0">
               <a:buNone/>
             </a:pPr>
             <a:r>
@@ -4116,7 +4169,7 @@
           <a:bodyPr wrap="square" rtlCol="0" anchor="ctr"/>
           <a:lstStyle/>
           <a:p>
-            <a:pPr indent="0" marL="0">
+            <a:pPr marL="0" indent="0">
               <a:buNone/>
             </a:pPr>
             <a:r>
@@ -4155,7 +4208,7 @@
           <a:bodyPr wrap="square" rtlCol="0" anchor="ctr"/>
           <a:lstStyle/>
           <a:p>
-            <a:pPr indent="0" marL="0">
+            <a:pPr marL="0" indent="0">
               <a:buNone/>
             </a:pPr>
             <a:r>
@@ -4218,7 +4271,7 @@
           <a:bodyPr wrap="square" rtlCol="0" anchor="ctr"/>
           <a:lstStyle/>
           <a:p>
-            <a:pPr indent="0" marL="0">
+            <a:pPr marL="0" indent="0">
               <a:buNone/>
             </a:pPr>
             <a:r>
@@ -4257,7 +4310,7 @@
           <a:bodyPr wrap="square" rtlCol="0" anchor="ctr"/>
           <a:lstStyle/>
           <a:p>
-            <a:pPr indent="0" marL="0">
+            <a:pPr marL="0" indent="0">
               <a:buNone/>
             </a:pPr>
             <a:r>
@@ -4320,7 +4373,7 @@
           <a:bodyPr wrap="square" rtlCol="0" anchor="ctr"/>
           <a:lstStyle/>
           <a:p>
-            <a:pPr indent="0" marL="0">
+            <a:pPr marL="0" indent="0">
               <a:buNone/>
             </a:pPr>
             <a:r>
@@ -4388,7 +4441,7 @@
           <a:bodyPr wrap="square" rtlCol="0" anchor="ctr"/>
           <a:lstStyle/>
           <a:p>
-            <a:pPr indent="0" marL="0">
+            <a:pPr marL="0" indent="0">
               <a:buNone/>
             </a:pPr>
             <a:r>
@@ -4427,7 +4480,7 @@
           <a:bodyPr wrap="square" rtlCol="0" anchor="ctr"/>
           <a:lstStyle/>
           <a:p>
-            <a:pPr indent="0" marL="0">
+            <a:pPr marL="0" indent="0">
               <a:buNone/>
             </a:pPr>
             <a:r>
@@ -4466,7 +4519,7 @@
           <a:bodyPr wrap="square" rtlCol="0" anchor="ctr"/>
           <a:lstStyle/>
           <a:p>
-            <a:pPr indent="0" marL="0">
+            <a:pPr marL="0" indent="0">
               <a:buNone/>
             </a:pPr>
             <a:r>
@@ -4529,7 +4582,7 @@
           <a:bodyPr wrap="square" rtlCol="0" anchor="ctr"/>
           <a:lstStyle/>
           <a:p>
-            <a:pPr indent="0" marL="0">
+            <a:pPr marL="0" indent="0">
               <a:buNone/>
             </a:pPr>
             <a:r>
@@ -4568,7 +4621,7 @@
           <a:bodyPr wrap="square" rtlCol="0" anchor="ctr"/>
           <a:lstStyle/>
           <a:p>
-            <a:pPr indent="0" marL="0">
+            <a:pPr marL="0" indent="0">
               <a:buNone/>
             </a:pPr>
             <a:r>
@@ -4631,7 +4684,7 @@
           <a:bodyPr wrap="square" rtlCol="0" anchor="ctr"/>
           <a:lstStyle/>
           <a:p>
-            <a:pPr indent="0" marL="0">
+            <a:pPr marL="0" indent="0">
               <a:buNone/>
             </a:pPr>
             <a:r>
@@ -4699,7 +4752,7 @@
           <a:bodyPr wrap="square" rtlCol="0" anchor="ctr"/>
           <a:lstStyle/>
           <a:p>
-            <a:pPr indent="0" marL="0">
+            <a:pPr marL="0" indent="0">
               <a:buNone/>
             </a:pPr>
             <a:r>
@@ -4738,7 +4791,7 @@
           <a:bodyPr wrap="square" rtlCol="0" anchor="ctr"/>
           <a:lstStyle/>
           <a:p>
-            <a:pPr indent="0" marL="0">
+            <a:pPr marL="0" indent="0">
               <a:buNone/>
             </a:pPr>
             <a:r>
@@ -4806,7 +4859,7 @@
           <a:bodyPr wrap="square" rtlCol="0" anchor="ctr"/>
           <a:lstStyle/>
           <a:p>
-            <a:pPr algn="ctr" indent="0" marL="0">
+            <a:pPr marL="0" indent="0" algn="ctr">
               <a:buNone/>
             </a:pPr>
             <a:r>
@@ -4845,7 +4898,7 @@
           <a:bodyPr wrap="square" rtlCol="0" anchor="ctr"/>
           <a:lstStyle/>
           <a:p>
-            <a:pPr indent="0" marL="0">
+            <a:pPr marL="0" indent="0">
               <a:buNone/>
             </a:pPr>
             <a:r>
@@ -4879,6 +4932,7 @@
         <a:solidFill>
           <a:srgbClr val="0A0E27"/>
         </a:solidFill>
+        <a:effectLst/>
       </p:bgPr>
     </p:bg>
     <p:spTree>
@@ -4987,7 +5041,7 @@
           <a:bodyPr wrap="square" rtlCol="0" anchor="ctr"/>
           <a:lstStyle/>
           <a:p>
-            <a:pPr algn="ctr" indent="0" marL="0">
+            <a:pPr marL="0" indent="0" algn="ctr">
               <a:buNone/>
             </a:pPr>
             <a:r>
@@ -5026,7 +5080,7 @@
           <a:bodyPr wrap="square" rtlCol="0" anchor="ctr"/>
           <a:lstStyle/>
           <a:p>
-            <a:pPr indent="0" marL="0">
+            <a:pPr marL="0" indent="0">
               <a:buNone/>
             </a:pPr>
             <a:r>
@@ -5065,7 +5119,7 @@
           <a:bodyPr wrap="square" rtlCol="0" anchor="ctr"/>
           <a:lstStyle/>
           <a:p>
-            <a:pPr indent="0" marL="0">
+            <a:pPr marL="0" indent="0">
               <a:buNone/>
             </a:pPr>
             <a:r>
@@ -5104,7 +5158,7 @@
           <a:bodyPr wrap="square" rtlCol="0" anchor="ctr"/>
           <a:lstStyle/>
           <a:p>
-            <a:pPr indent="0" marL="0">
+            <a:pPr marL="0" indent="0">
               <a:buNone/>
             </a:pPr>
             <a:r>
@@ -5197,7 +5251,7 @@
           <a:bodyPr wrap="square" rtlCol="0" anchor="ctr"/>
           <a:lstStyle/>
           <a:p>
-            <a:pPr indent="0" marL="0">
+            <a:pPr marL="0" indent="0">
               <a:buNone/>
             </a:pPr>
             <a:r>
@@ -5236,7 +5290,7 @@
           <a:bodyPr wrap="square" rtlCol="0" anchor="ctr"/>
           <a:lstStyle/>
           <a:p>
-            <a:pPr indent="0" marL="0">
+            <a:pPr marL="0" indent="0">
               <a:buNone/>
             </a:pPr>
             <a:r>
@@ -5275,7 +5329,7 @@
           <a:bodyPr wrap="square" rtlCol="0" anchor="ctr"/>
           <a:lstStyle/>
           <a:p>
-            <a:pPr indent="0" marL="0">
+            <a:pPr marL="0" indent="0">
               <a:buNone/>
             </a:pPr>
             <a:r>
@@ -5338,7 +5392,7 @@
           <a:bodyPr wrap="square" rtlCol="0" anchor="ctr"/>
           <a:lstStyle/>
           <a:p>
-            <a:pPr indent="0" marL="0">
+            <a:pPr marL="0" indent="0">
               <a:buNone/>
             </a:pPr>
             <a:r>
@@ -5377,7 +5431,7 @@
           <a:bodyPr wrap="square" rtlCol="0" anchor="ctr"/>
           <a:lstStyle/>
           <a:p>
-            <a:pPr indent="0" marL="0">
+            <a:pPr marL="0" indent="0">
               <a:buNone/>
             </a:pPr>
             <a:r>
@@ -5440,7 +5494,7 @@
           <a:bodyPr wrap="square" rtlCol="0" anchor="ctr"/>
           <a:lstStyle/>
           <a:p>
-            <a:pPr indent="0" marL="0">
+            <a:pPr marL="0" indent="0">
               <a:buNone/>
             </a:pPr>
             <a:r>
@@ -5508,7 +5562,7 @@
           <a:bodyPr wrap="square" rtlCol="0" anchor="ctr"/>
           <a:lstStyle/>
           <a:p>
-            <a:pPr indent="0" marL="0">
+            <a:pPr marL="0" indent="0">
               <a:buNone/>
             </a:pPr>
             <a:r>
@@ -5547,7 +5601,7 @@
           <a:bodyPr wrap="square" rtlCol="0" anchor="ctr"/>
           <a:lstStyle/>
           <a:p>
-            <a:pPr indent="0" marL="0">
+            <a:pPr marL="0" indent="0">
               <a:buNone/>
             </a:pPr>
             <a:r>
@@ -5586,7 +5640,7 @@
           <a:bodyPr wrap="square" rtlCol="0" anchor="ctr"/>
           <a:lstStyle/>
           <a:p>
-            <a:pPr indent="0" marL="0">
+            <a:pPr marL="0" indent="0">
               <a:buNone/>
             </a:pPr>
             <a:r>
@@ -5649,7 +5703,7 @@
           <a:bodyPr wrap="square" rtlCol="0" anchor="ctr"/>
           <a:lstStyle/>
           <a:p>
-            <a:pPr indent="0" marL="0">
+            <a:pPr marL="0" indent="0">
               <a:buNone/>
             </a:pPr>
             <a:r>
@@ -5688,7 +5742,7 @@
           <a:bodyPr wrap="square" rtlCol="0" anchor="ctr"/>
           <a:lstStyle/>
           <a:p>
-            <a:pPr indent="0" marL="0">
+            <a:pPr marL="0" indent="0">
               <a:buNone/>
             </a:pPr>
             <a:r>
@@ -5751,7 +5805,7 @@
           <a:bodyPr wrap="square" rtlCol="0" anchor="ctr"/>
           <a:lstStyle/>
           <a:p>
-            <a:pPr indent="0" marL="0">
+            <a:pPr marL="0" indent="0">
               <a:buNone/>
             </a:pPr>
             <a:r>
@@ -5819,7 +5873,7 @@
           <a:bodyPr wrap="square" rtlCol="0" anchor="ctr"/>
           <a:lstStyle/>
           <a:p>
-            <a:pPr indent="0" marL="0">
+            <a:pPr marL="0" indent="0">
               <a:buNone/>
             </a:pPr>
             <a:r>
@@ -5858,7 +5912,7 @@
           <a:bodyPr wrap="square" rtlCol="0" anchor="ctr"/>
           <a:lstStyle/>
           <a:p>
-            <a:pPr indent="0" marL="0">
+            <a:pPr marL="0" indent="0">
               <a:buNone/>
             </a:pPr>
             <a:r>
@@ -5897,7 +5951,7 @@
           <a:bodyPr wrap="square" rtlCol="0" anchor="ctr"/>
           <a:lstStyle/>
           <a:p>
-            <a:pPr indent="0" marL="0">
+            <a:pPr marL="0" indent="0">
               <a:buNone/>
             </a:pPr>
             <a:r>
@@ -5960,7 +6014,7 @@
           <a:bodyPr wrap="square" rtlCol="0" anchor="ctr"/>
           <a:lstStyle/>
           <a:p>
-            <a:pPr indent="0" marL="0">
+            <a:pPr marL="0" indent="0">
               <a:buNone/>
             </a:pPr>
             <a:r>
@@ -5999,7 +6053,7 @@
           <a:bodyPr wrap="square" rtlCol="0" anchor="ctr"/>
           <a:lstStyle/>
           <a:p>
-            <a:pPr indent="0" marL="0">
+            <a:pPr marL="0" indent="0">
               <a:buNone/>
             </a:pPr>
             <a:r>
@@ -6062,7 +6116,7 @@
           <a:bodyPr wrap="square" rtlCol="0" anchor="ctr"/>
           <a:lstStyle/>
           <a:p>
-            <a:pPr indent="0" marL="0">
+            <a:pPr marL="0" indent="0">
               <a:buNone/>
             </a:pPr>
             <a:r>
@@ -6130,7 +6184,7 @@
           <a:bodyPr wrap="square" rtlCol="0" anchor="ctr"/>
           <a:lstStyle/>
           <a:p>
-            <a:pPr indent="0" marL="0">
+            <a:pPr marL="0" indent="0">
               <a:buNone/>
             </a:pPr>
             <a:r>
@@ -6169,7 +6223,7 @@
           <a:bodyPr wrap="square" rtlCol="0" anchor="ctr"/>
           <a:lstStyle/>
           <a:p>
-            <a:pPr indent="0" marL="0">
+            <a:pPr marL="0" indent="0">
               <a:buNone/>
             </a:pPr>
             <a:r>
@@ -6237,7 +6291,7 @@
           <a:bodyPr wrap="square" rtlCol="0" anchor="ctr"/>
           <a:lstStyle/>
           <a:p>
-            <a:pPr algn="ctr" indent="0" marL="0">
+            <a:pPr marL="0" indent="0" algn="ctr">
               <a:buNone/>
             </a:pPr>
             <a:r>
@@ -6276,7 +6330,7 @@
           <a:bodyPr wrap="square" rtlCol="0" anchor="ctr"/>
           <a:lstStyle/>
           <a:p>
-            <a:pPr indent="0" marL="0">
+            <a:pPr marL="0" indent="0">
               <a:buNone/>
             </a:pPr>
             <a:r>
@@ -6310,6 +6364,7 @@
         <a:solidFill>
           <a:srgbClr val="0A0E27"/>
         </a:solidFill>
+        <a:effectLst/>
       </p:bgPr>
     </p:bg>
     <p:spTree>
@@ -6418,7 +6473,7 @@
           <a:bodyPr wrap="square" rtlCol="0" anchor="ctr"/>
           <a:lstStyle/>
           <a:p>
-            <a:pPr algn="ctr" indent="0" marL="0">
+            <a:pPr marL="0" indent="0" algn="ctr">
               <a:buNone/>
             </a:pPr>
             <a:r>
@@ -6457,7 +6512,7 @@
           <a:bodyPr wrap="square" rtlCol="0" anchor="ctr"/>
           <a:lstStyle/>
           <a:p>
-            <a:pPr indent="0" marL="0">
+            <a:pPr marL="0" indent="0">
               <a:buNone/>
             </a:pPr>
             <a:r>
@@ -6496,7 +6551,7 @@
           <a:bodyPr wrap="square" rtlCol="0" anchor="ctr"/>
           <a:lstStyle/>
           <a:p>
-            <a:pPr indent="0" marL="0">
+            <a:pPr marL="0" indent="0">
               <a:buNone/>
             </a:pPr>
             <a:r>
@@ -6535,7 +6590,7 @@
           <a:bodyPr wrap="square" rtlCol="0" anchor="ctr"/>
           <a:lstStyle/>
           <a:p>
-            <a:pPr indent="0" marL="0">
+            <a:pPr marL="0" indent="0">
               <a:buNone/>
             </a:pPr>
             <a:r>
@@ -6628,7 +6683,7 @@
           <a:bodyPr wrap="square" rtlCol="0" anchor="ctr"/>
           <a:lstStyle/>
           <a:p>
-            <a:pPr indent="0" marL="0">
+            <a:pPr marL="0" indent="0">
               <a:buNone/>
             </a:pPr>
             <a:r>
@@ -6667,7 +6722,7 @@
           <a:bodyPr wrap="square" rtlCol="0" anchor="ctr"/>
           <a:lstStyle/>
           <a:p>
-            <a:pPr indent="0" marL="0">
+            <a:pPr marL="0" indent="0">
               <a:buNone/>
             </a:pPr>
             <a:r>
@@ -6706,7 +6761,7 @@
           <a:bodyPr wrap="square" rtlCol="0" anchor="ctr"/>
           <a:lstStyle/>
           <a:p>
-            <a:pPr indent="0" marL="0">
+            <a:pPr marL="0" indent="0">
               <a:buNone/>
             </a:pPr>
             <a:r>
@@ -6769,7 +6824,7 @@
           <a:bodyPr wrap="square" rtlCol="0" anchor="ctr"/>
           <a:lstStyle/>
           <a:p>
-            <a:pPr indent="0" marL="0">
+            <a:pPr marL="0" indent="0">
               <a:buNone/>
             </a:pPr>
             <a:r>
@@ -6808,7 +6863,7 @@
           <a:bodyPr wrap="square" rtlCol="0" anchor="ctr"/>
           <a:lstStyle/>
           <a:p>
-            <a:pPr indent="0" marL="0">
+            <a:pPr marL="0" indent="0">
               <a:buNone/>
             </a:pPr>
             <a:r>
@@ -6871,7 +6926,7 @@
           <a:bodyPr wrap="square" rtlCol="0" anchor="ctr"/>
           <a:lstStyle/>
           <a:p>
-            <a:pPr indent="0" marL="0">
+            <a:pPr marL="0" indent="0">
               <a:buNone/>
             </a:pPr>
             <a:r>
@@ -6939,7 +6994,7 @@
           <a:bodyPr wrap="square" rtlCol="0" anchor="ctr"/>
           <a:lstStyle/>
           <a:p>
-            <a:pPr indent="0" marL="0">
+            <a:pPr marL="0" indent="0">
               <a:buNone/>
             </a:pPr>
             <a:r>
@@ -6978,7 +7033,7 @@
           <a:bodyPr wrap="square" rtlCol="0" anchor="ctr"/>
           <a:lstStyle/>
           <a:p>
-            <a:pPr indent="0" marL="0">
+            <a:pPr marL="0" indent="0">
               <a:buNone/>
             </a:pPr>
             <a:r>
@@ -7017,7 +7072,7 @@
           <a:bodyPr wrap="square" rtlCol="0" anchor="ctr"/>
           <a:lstStyle/>
           <a:p>
-            <a:pPr indent="0" marL="0">
+            <a:pPr marL="0" indent="0">
               <a:buNone/>
             </a:pPr>
             <a:r>
@@ -7080,7 +7135,7 @@
           <a:bodyPr wrap="square" rtlCol="0" anchor="ctr"/>
           <a:lstStyle/>
           <a:p>
-            <a:pPr indent="0" marL="0">
+            <a:pPr marL="0" indent="0">
               <a:buNone/>
             </a:pPr>
             <a:r>
@@ -7119,7 +7174,7 @@
           <a:bodyPr wrap="square" rtlCol="0" anchor="ctr"/>
           <a:lstStyle/>
           <a:p>
-            <a:pPr indent="0" marL="0">
+            <a:pPr marL="0" indent="0">
               <a:buNone/>
             </a:pPr>
             <a:r>
@@ -7182,7 +7237,7 @@
           <a:bodyPr wrap="square" rtlCol="0" anchor="ctr"/>
           <a:lstStyle/>
           <a:p>
-            <a:pPr indent="0" marL="0">
+            <a:pPr marL="0" indent="0">
               <a:buNone/>
             </a:pPr>
             <a:r>
@@ -7250,7 +7305,7 @@
           <a:bodyPr wrap="square" rtlCol="0" anchor="ctr"/>
           <a:lstStyle/>
           <a:p>
-            <a:pPr indent="0" marL="0">
+            <a:pPr marL="0" indent="0">
               <a:buNone/>
             </a:pPr>
             <a:r>
@@ -7289,7 +7344,7 @@
           <a:bodyPr wrap="square" rtlCol="0" anchor="ctr"/>
           <a:lstStyle/>
           <a:p>
-            <a:pPr indent="0" marL="0">
+            <a:pPr marL="0" indent="0">
               <a:buNone/>
             </a:pPr>
             <a:r>
@@ -7328,7 +7383,7 @@
           <a:bodyPr wrap="square" rtlCol="0" anchor="ctr"/>
           <a:lstStyle/>
           <a:p>
-            <a:pPr indent="0" marL="0">
+            <a:pPr marL="0" indent="0">
               <a:buNone/>
             </a:pPr>
             <a:r>
@@ -7391,7 +7446,7 @@
           <a:bodyPr wrap="square" rtlCol="0" anchor="ctr"/>
           <a:lstStyle/>
           <a:p>
-            <a:pPr indent="0" marL="0">
+            <a:pPr marL="0" indent="0">
               <a:buNone/>
             </a:pPr>
             <a:r>
@@ -7430,7 +7485,7 @@
           <a:bodyPr wrap="square" rtlCol="0" anchor="ctr"/>
           <a:lstStyle/>
           <a:p>
-            <a:pPr indent="0" marL="0">
+            <a:pPr marL="0" indent="0">
               <a:buNone/>
             </a:pPr>
             <a:r>
@@ -7493,7 +7548,7 @@
           <a:bodyPr wrap="square" rtlCol="0" anchor="ctr"/>
           <a:lstStyle/>
           <a:p>
-            <a:pPr indent="0" marL="0">
+            <a:pPr marL="0" indent="0">
               <a:buNone/>
             </a:pPr>
             <a:r>
@@ -7561,7 +7616,7 @@
           <a:bodyPr wrap="square" rtlCol="0" anchor="ctr"/>
           <a:lstStyle/>
           <a:p>
-            <a:pPr indent="0" marL="0">
+            <a:pPr marL="0" indent="0">
               <a:buNone/>
             </a:pPr>
             <a:r>
@@ -7600,7 +7655,7 @@
           <a:bodyPr wrap="square" rtlCol="0" anchor="ctr"/>
           <a:lstStyle/>
           <a:p>
-            <a:pPr indent="0" marL="0">
+            <a:pPr marL="0" indent="0">
               <a:buNone/>
             </a:pPr>
             <a:r>
@@ -7668,7 +7723,7 @@
           <a:bodyPr wrap="square" rtlCol="0" anchor="ctr"/>
           <a:lstStyle/>
           <a:p>
-            <a:pPr algn="ctr" indent="0" marL="0">
+            <a:pPr marL="0" indent="0" algn="ctr">
               <a:buNone/>
             </a:pPr>
             <a:r>
@@ -7707,7 +7762,7 @@
           <a:bodyPr wrap="square" rtlCol="0" anchor="ctr"/>
           <a:lstStyle/>
           <a:p>
-            <a:pPr indent="0" marL="0">
+            <a:pPr marL="0" indent="0">
               <a:buNone/>
             </a:pPr>
             <a:r>
@@ -7741,6 +7796,7 @@
         <a:solidFill>
           <a:srgbClr val="0A0E27"/>
         </a:solidFill>
+        <a:effectLst/>
       </p:bgPr>
     </p:bg>
     <p:spTree>
@@ -7849,7 +7905,7 @@
           <a:bodyPr wrap="square" rtlCol="0" anchor="ctr"/>
           <a:lstStyle/>
           <a:p>
-            <a:pPr algn="ctr" indent="0" marL="0">
+            <a:pPr marL="0" indent="0" algn="ctr">
               <a:buNone/>
             </a:pPr>
             <a:r>
@@ -7888,7 +7944,7 @@
           <a:bodyPr wrap="square" rtlCol="0" anchor="ctr"/>
           <a:lstStyle/>
           <a:p>
-            <a:pPr indent="0" marL="0">
+            <a:pPr marL="0" indent="0">
               <a:buNone/>
             </a:pPr>
             <a:r>
@@ -7927,7 +7983,7 @@
           <a:bodyPr wrap="square" rtlCol="0" anchor="ctr"/>
           <a:lstStyle/>
           <a:p>
-            <a:pPr indent="0" marL="0">
+            <a:pPr marL="0" indent="0">
               <a:buNone/>
             </a:pPr>
             <a:r>
@@ -7966,7 +8022,7 @@
           <a:bodyPr wrap="square" rtlCol="0" anchor="ctr"/>
           <a:lstStyle/>
           <a:p>
-            <a:pPr indent="0" marL="0">
+            <a:pPr marL="0" indent="0">
               <a:buNone/>
             </a:pPr>
             <a:r>
@@ -8059,7 +8115,7 @@
           <a:bodyPr wrap="square" rtlCol="0" anchor="ctr"/>
           <a:lstStyle/>
           <a:p>
-            <a:pPr indent="0" marL="0">
+            <a:pPr marL="0" indent="0">
               <a:buNone/>
             </a:pPr>
             <a:r>
@@ -8098,7 +8154,7 @@
           <a:bodyPr wrap="square" rtlCol="0" anchor="ctr"/>
           <a:lstStyle/>
           <a:p>
-            <a:pPr indent="0" marL="0">
+            <a:pPr marL="0" indent="0">
               <a:buNone/>
             </a:pPr>
             <a:r>
@@ -8137,7 +8193,7 @@
           <a:bodyPr wrap="square" rtlCol="0" anchor="ctr"/>
           <a:lstStyle/>
           <a:p>
-            <a:pPr indent="0" marL="0">
+            <a:pPr marL="0" indent="0">
               <a:buNone/>
             </a:pPr>
             <a:r>
@@ -8200,7 +8256,7 @@
           <a:bodyPr wrap="square" rtlCol="0" anchor="ctr"/>
           <a:lstStyle/>
           <a:p>
-            <a:pPr indent="0" marL="0">
+            <a:pPr marL="0" indent="0">
               <a:buNone/>
             </a:pPr>
             <a:r>
@@ -8239,7 +8295,7 @@
           <a:bodyPr wrap="square" rtlCol="0" anchor="ctr"/>
           <a:lstStyle/>
           <a:p>
-            <a:pPr indent="0" marL="0">
+            <a:pPr marL="0" indent="0">
               <a:buNone/>
             </a:pPr>
             <a:r>
@@ -8302,7 +8358,7 @@
           <a:bodyPr wrap="square" rtlCol="0" anchor="ctr"/>
           <a:lstStyle/>
           <a:p>
-            <a:pPr indent="0" marL="0">
+            <a:pPr marL="0" indent="0">
               <a:buNone/>
             </a:pPr>
             <a:r>
@@ -8370,7 +8426,7 @@
           <a:bodyPr wrap="square" rtlCol="0" anchor="ctr"/>
           <a:lstStyle/>
           <a:p>
-            <a:pPr indent="0" marL="0">
+            <a:pPr marL="0" indent="0">
               <a:buNone/>
             </a:pPr>
             <a:r>
@@ -8409,7 +8465,7 @@
           <a:bodyPr wrap="square" rtlCol="0" anchor="ctr"/>
           <a:lstStyle/>
           <a:p>
-            <a:pPr indent="0" marL="0">
+            <a:pPr marL="0" indent="0">
               <a:buNone/>
             </a:pPr>
             <a:r>
@@ -8448,7 +8504,7 @@
           <a:bodyPr wrap="square" rtlCol="0" anchor="ctr"/>
           <a:lstStyle/>
           <a:p>
-            <a:pPr indent="0" marL="0">
+            <a:pPr marL="0" indent="0">
               <a:buNone/>
             </a:pPr>
             <a:r>
@@ -8511,7 +8567,7 @@
           <a:bodyPr wrap="square" rtlCol="0" anchor="ctr"/>
           <a:lstStyle/>
           <a:p>
-            <a:pPr indent="0" marL="0">
+            <a:pPr marL="0" indent="0">
               <a:buNone/>
             </a:pPr>
             <a:r>
@@ -8550,7 +8606,7 @@
           <a:bodyPr wrap="square" rtlCol="0" anchor="ctr"/>
           <a:lstStyle/>
           <a:p>
-            <a:pPr indent="0" marL="0">
+            <a:pPr marL="0" indent="0">
               <a:buNone/>
             </a:pPr>
             <a:r>
@@ -8613,7 +8669,7 @@
           <a:bodyPr wrap="square" rtlCol="0" anchor="ctr"/>
           <a:lstStyle/>
           <a:p>
-            <a:pPr indent="0" marL="0">
+            <a:pPr marL="0" indent="0">
               <a:buNone/>
             </a:pPr>
             <a:r>
@@ -8681,7 +8737,7 @@
           <a:bodyPr wrap="square" rtlCol="0" anchor="ctr"/>
           <a:lstStyle/>
           <a:p>
-            <a:pPr indent="0" marL="0">
+            <a:pPr marL="0" indent="0">
               <a:buNone/>
             </a:pPr>
             <a:r>
@@ -8720,7 +8776,7 @@
           <a:bodyPr wrap="square" rtlCol="0" anchor="ctr"/>
           <a:lstStyle/>
           <a:p>
-            <a:pPr indent="0" marL="0">
+            <a:pPr marL="0" indent="0">
               <a:buNone/>
             </a:pPr>
             <a:r>
@@ -8759,7 +8815,7 @@
           <a:bodyPr wrap="square" rtlCol="0" anchor="ctr"/>
           <a:lstStyle/>
           <a:p>
-            <a:pPr indent="0" marL="0">
+            <a:pPr marL="0" indent="0">
               <a:buNone/>
             </a:pPr>
             <a:r>
@@ -8822,7 +8878,7 @@
           <a:bodyPr wrap="square" rtlCol="0" anchor="ctr"/>
           <a:lstStyle/>
           <a:p>
-            <a:pPr indent="0" marL="0">
+            <a:pPr marL="0" indent="0">
               <a:buNone/>
             </a:pPr>
             <a:r>
@@ -8861,7 +8917,7 @@
           <a:bodyPr wrap="square" rtlCol="0" anchor="ctr"/>
           <a:lstStyle/>
           <a:p>
-            <a:pPr indent="0" marL="0">
+            <a:pPr marL="0" indent="0">
               <a:buNone/>
             </a:pPr>
             <a:r>
@@ -8924,7 +8980,7 @@
           <a:bodyPr wrap="square" rtlCol="0" anchor="ctr"/>
           <a:lstStyle/>
           <a:p>
-            <a:pPr indent="0" marL="0">
+            <a:pPr marL="0" indent="0">
               <a:buNone/>
             </a:pPr>
             <a:r>
@@ -8992,7 +9048,7 @@
           <a:bodyPr wrap="square" rtlCol="0" anchor="ctr"/>
           <a:lstStyle/>
           <a:p>
-            <a:pPr indent="0" marL="0">
+            <a:pPr marL="0" indent="0">
               <a:buNone/>
             </a:pPr>
             <a:r>
@@ -9031,7 +9087,7 @@
           <a:bodyPr wrap="square" rtlCol="0" anchor="ctr"/>
           <a:lstStyle/>
           <a:p>
-            <a:pPr indent="0" marL="0">
+            <a:pPr marL="0" indent="0">
               <a:buNone/>
             </a:pPr>
             <a:r>
@@ -9099,7 +9155,7 @@
           <a:bodyPr wrap="square" rtlCol="0" anchor="ctr"/>
           <a:lstStyle/>
           <a:p>
-            <a:pPr algn="ctr" indent="0" marL="0">
+            <a:pPr marL="0" indent="0" algn="ctr">
               <a:buNone/>
             </a:pPr>
             <a:r>
@@ -9138,7 +9194,7 @@
           <a:bodyPr wrap="square" rtlCol="0" anchor="ctr"/>
           <a:lstStyle/>
           <a:p>
-            <a:pPr indent="0" marL="0">
+            <a:pPr marL="0" indent="0">
               <a:buNone/>
             </a:pPr>
             <a:r>
@@ -9172,6 +9228,7 @@
         <a:solidFill>
           <a:srgbClr val="0A0E27"/>
         </a:solidFill>
+        <a:effectLst/>
       </p:bgPr>
     </p:bg>
     <p:spTree>
@@ -9231,7 +9288,7 @@
           <a:bodyPr wrap="square" rtlCol="0" anchor="ctr"/>
           <a:lstStyle/>
           <a:p>
-            <a:pPr algn="ctr" indent="0" marL="0">
+            <a:pPr marL="0" indent="0" algn="ctr">
               <a:buNone/>
             </a:pPr>
             <a:r>
@@ -9267,7 +9324,7 @@
           <a:bodyPr wrap="square" rtlCol="0" anchor="ctr"/>
           <a:lstStyle/>
           <a:p>
-            <a:pPr algn="ctr" indent="0" marL="0">
+            <a:pPr marL="0" indent="0" algn="ctr">
               <a:buNone/>
             </a:pPr>
             <a:r>
@@ -9360,7 +9417,7 @@
           <a:bodyPr wrap="square" rtlCol="0" anchor="ctr"/>
           <a:lstStyle/>
           <a:p>
-            <a:pPr indent="0" marL="0">
+            <a:pPr marL="0" indent="0">
               <a:buNone/>
             </a:pPr>
             <a:r>
@@ -9419,7 +9476,7 @@
           <a:bodyPr wrap="square" rtlCol="0" anchor="ctr"/>
           <a:lstStyle/>
           <a:p>
-            <a:pPr algn="ctr" indent="0" marL="0">
+            <a:pPr marL="0" indent="0" algn="ctr">
               <a:buNone/>
             </a:pPr>
             <a:r>
@@ -9458,7 +9515,7 @@
           <a:bodyPr wrap="square" rtlCol="0" anchor="ctr"/>
           <a:lstStyle/>
           <a:p>
-            <a:pPr indent="0" marL="0">
+            <a:pPr marL="0" indent="0">
               <a:buNone/>
             </a:pPr>
             <a:r>
@@ -9517,7 +9574,7 @@
           <a:bodyPr wrap="square" rtlCol="0" anchor="ctr"/>
           <a:lstStyle/>
           <a:p>
-            <a:pPr algn="ctr" indent="0" marL="0">
+            <a:pPr marL="0" indent="0" algn="ctr">
               <a:buNone/>
             </a:pPr>
             <a:r>
@@ -9556,7 +9613,7 @@
           <a:bodyPr wrap="square" rtlCol="0" anchor="ctr"/>
           <a:lstStyle/>
           <a:p>
-            <a:pPr indent="0" marL="0">
+            <a:pPr marL="0" indent="0">
               <a:buNone/>
             </a:pPr>
             <a:r>
@@ -9615,7 +9672,7 @@
           <a:bodyPr wrap="square" rtlCol="0" anchor="ctr"/>
           <a:lstStyle/>
           <a:p>
-            <a:pPr algn="ctr" indent="0" marL="0">
+            <a:pPr marL="0" indent="0" algn="ctr">
               <a:buNone/>
             </a:pPr>
             <a:r>
@@ -9654,7 +9711,7 @@
           <a:bodyPr wrap="square" rtlCol="0" anchor="ctr"/>
           <a:lstStyle/>
           <a:p>
-            <a:pPr indent="0" marL="0">
+            <a:pPr marL="0" indent="0">
               <a:buNone/>
             </a:pPr>
             <a:r>
@@ -9722,7 +9779,7 @@
           <a:bodyPr wrap="square" rtlCol="0" anchor="ctr"/>
           <a:lstStyle/>
           <a:p>
-            <a:pPr algn="ctr" indent="0" marL="0">
+            <a:pPr marL="0" indent="0" algn="ctr">
               <a:buNone/>
             </a:pPr>
             <a:r>
@@ -9758,7 +9815,7 @@
           <a:bodyPr wrap="square" rtlCol="0" anchor="ctr"/>
           <a:lstStyle/>
           <a:p>
-            <a:pPr algn="ctr" indent="0" marL="0">
+            <a:pPr marL="0" indent="0" algn="ctr">
               <a:buNone/>
             </a:pPr>
             <a:r>
@@ -9797,7 +9854,7 @@
           <a:bodyPr wrap="square" rtlCol="0" anchor="ctr"/>
           <a:lstStyle/>
           <a:p>
-            <a:pPr algn="ctr" indent="0" marL="0">
+            <a:pPr marL="0" indent="0" algn="ctr">
               <a:buNone/>
             </a:pPr>
             <a:r>
@@ -9836,7 +9893,7 @@
           <a:bodyPr wrap="square" rtlCol="0" anchor="ctr"/>
           <a:lstStyle/>
           <a:p>
-            <a:pPr indent="0" marL="0">
+            <a:pPr marL="0" indent="0">
               <a:buNone/>
             </a:pPr>
             <a:r>
@@ -9895,7 +9952,7 @@
           <a:bodyPr wrap="square" rtlCol="0" anchor="ctr"/>
           <a:lstStyle/>
           <a:p>
-            <a:pPr indent="0" marL="0">
+            <a:pPr marL="0" indent="0">
               <a:buNone/>
             </a:pPr>
             <a:r>
@@ -9954,7 +10011,7 @@
           <a:bodyPr wrap="square" rtlCol="0" anchor="ctr"/>
           <a:lstStyle/>
           <a:p>
-            <a:pPr indent="0" marL="0">
+            <a:pPr marL="0" indent="0">
               <a:buNone/>
             </a:pPr>
             <a:r>
@@ -10013,7 +10070,7 @@
           <a:bodyPr wrap="square" rtlCol="0" anchor="ctr"/>
           <a:lstStyle/>
           <a:p>
-            <a:pPr indent="0" marL="0">
+            <a:pPr marL="0" indent="0">
               <a:buNone/>
             </a:pPr>
             <a:r>
@@ -10072,7 +10129,7 @@
           <a:bodyPr wrap="square" rtlCol="0" anchor="ctr"/>
           <a:lstStyle/>
           <a:p>
-            <a:pPr indent="0" marL="0">
+            <a:pPr marL="0" indent="0">
               <a:buNone/>
             </a:pPr>
             <a:r>
@@ -10106,6 +10163,7 @@
         <a:solidFill>
           <a:srgbClr val="0A0E27"/>
         </a:solidFill>
+        <a:effectLst/>
       </p:bgPr>
     </p:bg>
     <p:spTree>
@@ -10187,7 +10245,7 @@
           <a:bodyPr wrap="square" rtlCol="0" anchor="ctr"/>
           <a:lstStyle/>
           <a:p>
-            <a:pPr algn="ctr" indent="0" marL="0">
+            <a:pPr marL="0" indent="0" algn="ctr">
               <a:buNone/>
             </a:pPr>
             <a:r>
@@ -10226,7 +10284,7 @@
           <a:bodyPr wrap="square" rtlCol="0" anchor="ctr"/>
           <a:lstStyle/>
           <a:p>
-            <a:pPr algn="ctr" indent="0" marL="0">
+            <a:pPr marL="0" indent="0" algn="ctr">
               <a:buNone/>
             </a:pPr>
             <a:r>
@@ -10294,7 +10352,7 @@
           <a:bodyPr wrap="square" rtlCol="0" anchor="ctr"/>
           <a:lstStyle/>
           <a:p>
-            <a:pPr algn="ctr" indent="0" marL="0">
+            <a:pPr marL="0" indent="0" algn="ctr">
               <a:buNone/>
             </a:pPr>
             <a:r>
@@ -10362,7 +10420,7 @@
           <a:bodyPr wrap="square" rtlCol="0" anchor="ctr"/>
           <a:lstStyle/>
           <a:p>
-            <a:pPr algn="ctr" indent="0" marL="0">
+            <a:pPr marL="0" indent="0" algn="ctr">
               <a:buNone/>
             </a:pPr>
             <a:r>
@@ -10430,7 +10488,7 @@
           <a:bodyPr wrap="square" rtlCol="0" anchor="ctr"/>
           <a:lstStyle/>
           <a:p>
-            <a:pPr algn="ctr" indent="0" marL="0">
+            <a:pPr marL="0" indent="0" algn="ctr">
               <a:buNone/>
             </a:pPr>
             <a:r>
@@ -10498,7 +10556,7 @@
           <a:bodyPr wrap="square" rtlCol="0" anchor="ctr"/>
           <a:lstStyle/>
           <a:p>
-            <a:pPr algn="ctr" indent="0" marL="0">
+            <a:pPr marL="0" indent="0" algn="ctr">
               <a:buNone/>
             </a:pPr>
             <a:r>
@@ -10537,7 +10595,7 @@
           <a:bodyPr wrap="square" rtlCol="0" anchor="ctr"/>
           <a:lstStyle/>
           <a:p>
-            <a:pPr algn="ctr" indent="0" marL="0">
+            <a:pPr marL="0" indent="0" algn="ctr">
               <a:buNone/>
             </a:pPr>
             <a:r>
@@ -10576,7 +10634,7 @@
           <a:bodyPr wrap="square" rtlCol="0" anchor="ctr"/>
           <a:lstStyle/>
           <a:p>
-            <a:pPr algn="ctr" indent="0" marL="0">
+            <a:pPr marL="0" indent="0" algn="ctr">
               <a:buNone/>
             </a:pPr>
             <a:r>
@@ -10610,6 +10668,7 @@
         <a:solidFill>
           <a:srgbClr val="0A0E27"/>
         </a:solidFill>
+        <a:effectLst/>
       </p:bgPr>
     </p:bg>
     <p:spTree>
@@ -10691,7 +10750,7 @@
           <a:bodyPr wrap="square" rtlCol="0" anchor="ctr"/>
           <a:lstStyle/>
           <a:p>
-            <a:pPr indent="0" marL="0">
+            <a:pPr marL="0" indent="0">
               <a:buNone/>
             </a:pPr>
             <a:r>
@@ -10727,24 +10786,20 @@
           <a:ln/>
         </p:spPr>
         <p:txBody>
-          <a:bodyPr wrap="square" rtlCol="0" anchor="ctr"/>
-          <a:lstStyle/>
-          <a:p>
-            <a:pPr indent="0" marL="0">
-              <a:buNone/>
-            </a:pPr>
+          <a:bodyPr wrap="square" lIns="91440" tIns="45720" rIns="91440" bIns="45720" rtlCol="0" anchor="ctr"/>
+          <a:lstStyle/>
+          <a:p>
             <a:r>
               <a:rPr lang="en-US" sz="1100" b="1" dirty="0">
                 <a:solidFill>
                   <a:srgbClr val="00F5FF"/>
                 </a:solidFill>
-                <a:latin typeface="Arial" pitchFamily="34" charset="0"/>
-                <a:ea typeface="Arial" pitchFamily="34" charset="-122"/>
-                <a:cs typeface="Arial" pitchFamily="34" charset="-120"/>
-              </a:rPr>
-              <a:t>YOUR PATH TO AI FLUENCY</a:t>
-            </a:r>
-            <a:endParaRPr lang="en-US" sz="1100" dirty="0"/>
+                <a:latin typeface="Arial"/>
+                <a:cs typeface="Arial"/>
+              </a:rPr>
+              <a:t>How To Speak To AI</a:t>
+            </a:r>
+            <a:endParaRPr lang="en-US" dirty="0"/>
           </a:p>
         </p:txBody>
       </p:sp>
@@ -10820,7 +10875,7 @@
           <a:bodyPr wrap="square" rtlCol="0" anchor="ctr"/>
           <a:lstStyle/>
           <a:p>
-            <a:pPr algn="ctr" indent="0" marL="0">
+            <a:pPr marL="0" indent="0" algn="ctr">
               <a:buNone/>
             </a:pPr>
             <a:r>
@@ -10859,7 +10914,7 @@
           <a:bodyPr wrap="square" rtlCol="0" anchor="ctr"/>
           <a:lstStyle/>
           <a:p>
-            <a:pPr indent="0" marL="0">
+            <a:pPr marL="0" indent="0">
               <a:buNone/>
             </a:pPr>
             <a:r>
@@ -10898,7 +10953,7 @@
           <a:bodyPr wrap="square" rtlCol="0" anchor="ctr"/>
           <a:lstStyle/>
           <a:p>
-            <a:pPr indent="0" marL="0">
+            <a:pPr marL="0" indent="0">
               <a:buNone/>
             </a:pPr>
             <a:r>
@@ -10985,10 +11040,10 @@
           <a:ln/>
         </p:spPr>
         <p:txBody>
-          <a:bodyPr wrap="square" rtlCol="0" anchor="ctr"/>
-          <a:lstStyle/>
-          <a:p>
-            <a:pPr algn="ctr" indent="0" marL="0">
+          <a:bodyPr wrap="square" lIns="91440" tIns="45720" rIns="91440" bIns="45720" rtlCol="0" anchor="ctr"/>
+          <a:lstStyle/>
+          <a:p>
+            <a:pPr marL="0" indent="0" algn="ctr">
               <a:buNone/>
             </a:pPr>
             <a:r>
@@ -10996,13 +11051,15 @@
                 <a:solidFill>
                   <a:srgbClr val="0A0E27"/>
                 </a:solidFill>
-                <a:latin typeface="Arial" pitchFamily="34" charset="0"/>
-                <a:ea typeface="Arial" pitchFamily="34" charset="-122"/>
-                <a:cs typeface="Arial" pitchFamily="34" charset="-120"/>
-              </a:rPr>
-              <a:t>15 min</a:t>
-            </a:r>
-            <a:endParaRPr lang="en-US" sz="1100" dirty="0"/>
+                <a:latin typeface="Arial"/>
+                <a:cs typeface="Arial"/>
+              </a:rPr>
+              <a:t>5min</a:t>
+            </a:r>
+            <a:endParaRPr lang="en-US" sz="1100" dirty="0">
+              <a:latin typeface="Arial"/>
+              <a:cs typeface="Arial"/>
+            </a:endParaRPr>
           </a:p>
         </p:txBody>
       </p:sp>
@@ -11027,7 +11084,7 @@
           <a:bodyPr wrap="square" rtlCol="0" anchor="ctr"/>
           <a:lstStyle/>
           <a:p>
-            <a:pPr indent="0" marL="0">
+            <a:pPr marL="0" indent="0">
               <a:buNone/>
             </a:pPr>
             <a:r>
@@ -11066,7 +11123,7 @@
           <a:bodyPr wrap="square" rtlCol="0" anchor="ctr"/>
           <a:lstStyle/>
           <a:p>
-            <a:pPr indent="0" marL="0">
+            <a:pPr marL="0" indent="0">
               <a:buNone/>
             </a:pPr>
             <a:r>
@@ -11153,22 +11210,19 @@
           <a:ln/>
         </p:spPr>
         <p:txBody>
-          <a:bodyPr wrap="square" rtlCol="0" anchor="ctr"/>
-          <a:lstStyle/>
-          <a:p>
-            <a:pPr algn="ctr" indent="0" marL="0">
-              <a:buNone/>
-            </a:pPr>
+          <a:bodyPr wrap="square" lIns="91440" tIns="45720" rIns="91440" bIns="45720" rtlCol="0" anchor="ctr"/>
+          <a:lstStyle/>
+          <a:p>
+            <a:pPr algn="ctr"/>
             <a:r>
               <a:rPr lang="en-US" sz="1100" b="1" dirty="0">
                 <a:solidFill>
                   <a:srgbClr val="0A0E27"/>
                 </a:solidFill>
-                <a:latin typeface="Arial" pitchFamily="34" charset="0"/>
-                <a:ea typeface="Arial" pitchFamily="34" charset="-122"/>
-                <a:cs typeface="Arial" pitchFamily="34" charset="-120"/>
-              </a:rPr>
-              <a:t>80 min</a:t>
+                <a:latin typeface="Arial"/>
+                <a:cs typeface="Arial"/>
+              </a:rPr>
+              <a:t>60 min</a:t>
             </a:r>
             <a:endParaRPr lang="en-US" sz="1100" dirty="0"/>
           </a:p>
@@ -11195,7 +11249,7 @@
           <a:bodyPr wrap="square" rtlCol="0" anchor="ctr"/>
           <a:lstStyle/>
           <a:p>
-            <a:pPr indent="0" marL="0">
+            <a:pPr marL="0" indent="0">
               <a:buNone/>
             </a:pPr>
             <a:r>
@@ -11234,7 +11288,7 @@
           <a:bodyPr wrap="square" rtlCol="0" anchor="ctr"/>
           <a:lstStyle/>
           <a:p>
-            <a:pPr indent="0" marL="0">
+            <a:pPr marL="0" indent="0">
               <a:buNone/>
             </a:pPr>
             <a:r>
@@ -11324,7 +11378,7 @@
           <a:bodyPr wrap="square" rtlCol="0" anchor="ctr"/>
           <a:lstStyle/>
           <a:p>
-            <a:pPr algn="ctr" indent="0" marL="0">
+            <a:pPr marL="0" indent="0" algn="ctr">
               <a:buNone/>
             </a:pPr>
             <a:r>
@@ -11363,7 +11417,7 @@
           <a:bodyPr wrap="square" rtlCol="0" anchor="ctr"/>
           <a:lstStyle/>
           <a:p>
-            <a:pPr indent="0" marL="0">
+            <a:pPr marL="0" indent="0">
               <a:buNone/>
             </a:pPr>
             <a:r>
@@ -11402,7 +11456,7 @@
           <a:bodyPr wrap="square" rtlCol="0" anchor="ctr"/>
           <a:lstStyle/>
           <a:p>
-            <a:pPr indent="0" marL="0">
+            <a:pPr marL="0" indent="0">
               <a:buNone/>
             </a:pPr>
             <a:r>
@@ -11490,7 +11544,7 @@
           <a:bodyPr wrap="square" rtlCol="0" anchor="ctr"/>
           <a:lstStyle/>
           <a:p>
-            <a:pPr indent="0" marL="0">
+            <a:pPr marL="0" indent="0">
               <a:buNone/>
             </a:pPr>
             <a:r>
@@ -11529,7 +11583,7 @@
           <a:bodyPr wrap="square" rtlCol="0" anchor="ctr"/>
           <a:lstStyle/>
           <a:p>
-            <a:pPr indent="0" marL="0">
+            <a:pPr marL="0" indent="0">
               <a:buNone/>
             </a:pPr>
             <a:r>
@@ -11565,10 +11619,10 @@
           <a:ln/>
         </p:spPr>
         <p:txBody>
-          <a:bodyPr wrap="square" rtlCol="0" anchor="ctr"/>
-          <a:lstStyle/>
-          <a:p>
-            <a:pPr indent="0" marL="0">
+          <a:bodyPr wrap="square" lIns="91440" tIns="45720" rIns="91440" bIns="45720" rtlCol="0" anchor="ctr"/>
+          <a:lstStyle/>
+          <a:p>
+            <a:pPr marL="0" indent="0">
               <a:buNone/>
             </a:pPr>
             <a:r>
@@ -11576,13 +11630,16 @@
                 <a:solidFill>
                   <a:srgbClr val="E0E6ED"/>
                 </a:solidFill>
-                <a:latin typeface="Arial" pitchFamily="34" charset="0"/>
-                <a:ea typeface="Arial" pitchFamily="34" charset="-122"/>
-                <a:cs typeface="Arial" pitchFamily="34" charset="-120"/>
-              </a:rPr>
-              <a:t>• 14 min hands-on practice</a:t>
-            </a:r>
-            <a:endParaRPr lang="en-US" sz="1200" dirty="0"/>
+                <a:latin typeface="Arial"/>
+                <a:ea typeface="Arial" pitchFamily="34" charset="-122"/>
+                <a:cs typeface="Arial"/>
+              </a:rPr>
+              <a:t>• 10 min hands-on practice</a:t>
+            </a:r>
+            <a:endParaRPr lang="en-US" sz="1200" dirty="0">
+              <a:latin typeface="Arial"/>
+              <a:cs typeface="Arial"/>
+            </a:endParaRPr>
           </a:p>
         </p:txBody>
       </p:sp>
@@ -11607,7 +11664,7 @@
           <a:bodyPr wrap="square" rtlCol="0" anchor="ctr"/>
           <a:lstStyle/>
           <a:p>
-            <a:pPr indent="0" marL="0">
+            <a:pPr marL="0" indent="0">
               <a:buNone/>
             </a:pPr>
             <a:r>
@@ -11643,24 +11700,24 @@
           <a:ln/>
         </p:spPr>
         <p:txBody>
-          <a:bodyPr wrap="square" rtlCol="0" anchor="ctr"/>
-          <a:lstStyle/>
-          <a:p>
-            <a:pPr indent="0" marL="0">
-              <a:buNone/>
-            </a:pPr>
+          <a:bodyPr wrap="square" lIns="91440" tIns="45720" rIns="91440" bIns="45720" rtlCol="0" anchor="ctr"/>
+          <a:lstStyle/>
+          <a:p>
             <a:r>
               <a:rPr lang="en-US" sz="1200" dirty="0">
                 <a:solidFill>
                   <a:srgbClr val="E0E6ED"/>
                 </a:solidFill>
-                <a:latin typeface="Arial" pitchFamily="34" charset="0"/>
-                <a:ea typeface="Arial" pitchFamily="34" charset="-122"/>
-                <a:cs typeface="Arial" pitchFamily="34" charset="-120"/>
-              </a:rPr>
-              <a:t>• 5 min share back with group</a:t>
-            </a:r>
-            <a:endParaRPr lang="en-US" sz="1200" dirty="0"/>
+                <a:latin typeface="Arial"/>
+                <a:ea typeface="Arial" pitchFamily="34" charset="-122"/>
+                <a:cs typeface="Arial"/>
+              </a:rPr>
+              <a:t>• 4 min share back with group</a:t>
+            </a:r>
+            <a:endParaRPr lang="en-US" sz="1200" dirty="0">
+              <a:latin typeface="Arial"/>
+              <a:cs typeface="Arial"/>
+            </a:endParaRPr>
           </a:p>
         </p:txBody>
       </p:sp>
@@ -11708,7 +11765,7 @@
           <a:bodyPr wrap="square" rtlCol="0" anchor="ctr"/>
           <a:lstStyle/>
           <a:p>
-            <a:pPr indent="0" marL="0">
+            <a:pPr marL="0" indent="0">
               <a:buNone/>
             </a:pPr>
             <a:r>
@@ -11742,6 +11799,7 @@
         <a:solidFill>
           <a:srgbClr val="0A0E27"/>
         </a:solidFill>
+        <a:effectLst/>
       </p:bgPr>
     </p:bg>
     <p:spTree>
@@ -11823,7 +11881,7 @@
           <a:bodyPr wrap="square" rtlCol="0" anchor="ctr"/>
           <a:lstStyle/>
           <a:p>
-            <a:pPr algn="ctr" indent="0" marL="0">
+            <a:pPr marL="0" indent="0" algn="ctr">
               <a:buNone/>
             </a:pPr>
             <a:r>
@@ -11859,7 +11917,7 @@
           <a:bodyPr wrap="square" rtlCol="0" anchor="ctr"/>
           <a:lstStyle/>
           <a:p>
-            <a:pPr algn="ctr" indent="0" marL="0">
+            <a:pPr marL="0" indent="0" algn="ctr">
               <a:buNone/>
             </a:pPr>
             <a:r>
@@ -11898,7 +11956,7 @@
           <a:bodyPr wrap="square" rtlCol="0" anchor="ctr"/>
           <a:lstStyle/>
           <a:p>
-            <a:pPr algn="ctr" indent="0" marL="0">
+            <a:pPr marL="0" indent="0" algn="ctr">
               <a:buNone/>
             </a:pPr>
             <a:r>
@@ -11925,7 +11983,7 @@
         <p:spPr>
           <a:xfrm>
             <a:off x="1371600" y="2651760"/>
-            <a:ext cx="6400800" cy="1645920"/>
+            <a:ext cx="6400800" cy="2201091"/>
           </a:xfrm>
           <a:prstGeom prst="roundRect">
             <a:avLst>
@@ -11966,7 +12024,7 @@
           <a:bodyPr wrap="square" rtlCol="0" anchor="ctr"/>
           <a:lstStyle/>
           <a:p>
-            <a:pPr indent="0" marL="0">
+            <a:pPr marL="0" indent="0">
               <a:buNone/>
             </a:pPr>
             <a:r>
@@ -12005,7 +12063,7 @@
           <a:bodyPr wrap="square" rtlCol="0" anchor="ctr"/>
           <a:lstStyle/>
           <a:p>
-            <a:pPr indent="0" marL="0">
+            <a:pPr marL="0" indent="0">
               <a:buNone/>
             </a:pPr>
             <a:r>
@@ -12044,7 +12102,7 @@
           <a:bodyPr wrap="square" rtlCol="0" anchor="ctr"/>
           <a:lstStyle/>
           <a:p>
-            <a:pPr indent="0" marL="0">
+            <a:pPr marL="0" indent="0">
               <a:buNone/>
             </a:pPr>
             <a:r>
@@ -12083,7 +12141,7 @@
           <a:bodyPr wrap="square" rtlCol="0" anchor="ctr"/>
           <a:lstStyle/>
           <a:p>
-            <a:pPr indent="0" marL="0">
+            <a:pPr marL="0" indent="0">
               <a:buNone/>
             </a:pPr>
             <a:r>
@@ -12122,7 +12180,7 @@
           <a:bodyPr wrap="square" rtlCol="0" anchor="ctr"/>
           <a:lstStyle/>
           <a:p>
-            <a:pPr indent="0" marL="0">
+            <a:pPr marL="0" indent="0">
               <a:buNone/>
             </a:pPr>
             <a:r>
@@ -12161,7 +12219,7 @@
           <a:bodyPr wrap="square" rtlCol="0" anchor="ctr"/>
           <a:lstStyle/>
           <a:p>
-            <a:pPr indent="0" marL="0">
+            <a:pPr marL="0" indent="0">
               <a:buNone/>
             </a:pPr>
             <a:r>
@@ -12195,6 +12253,7 @@
         <a:solidFill>
           <a:srgbClr val="0A0E27"/>
         </a:solidFill>
+        <a:effectLst/>
       </p:bgPr>
     </p:bg>
     <p:spTree>
@@ -12276,7 +12335,7 @@
           <a:bodyPr wrap="square" rtlCol="0" anchor="ctr"/>
           <a:lstStyle/>
           <a:p>
-            <a:pPr indent="0" marL="0">
+            <a:pPr marL="0" indent="0">
               <a:buNone/>
             </a:pPr>
             <a:r>
@@ -12315,7 +12374,7 @@
           <a:bodyPr wrap="square" rtlCol="0" anchor="ctr"/>
           <a:lstStyle/>
           <a:p>
-            <a:pPr indent="0" marL="0">
+            <a:pPr marL="0" indent="0">
               <a:buNone/>
             </a:pPr>
             <a:r>
@@ -12408,7 +12467,7 @@
           <a:bodyPr wrap="square" rtlCol="0" anchor="ctr"/>
           <a:lstStyle/>
           <a:p>
-            <a:pPr indent="0" marL="0">
+            <a:pPr marL="0" indent="0">
               <a:buNone/>
             </a:pPr>
             <a:r>
@@ -12444,7 +12503,7 @@
           <a:bodyPr wrap="square" rtlCol="0" anchor="ctr"/>
           <a:lstStyle/>
           <a:p>
-            <a:pPr indent="0" marL="0">
+            <a:pPr marL="0" indent="0">
               <a:buNone/>
             </a:pPr>
             <a:r>
@@ -12483,7 +12542,7 @@
           <a:bodyPr wrap="square" rtlCol="0" anchor="ctr"/>
           <a:lstStyle/>
           <a:p>
-            <a:pPr indent="0" marL="0">
+            <a:pPr marL="0" indent="0">
               <a:buNone/>
             </a:pPr>
             <a:r>
@@ -12551,7 +12610,7 @@
           <a:bodyPr wrap="square" rtlCol="0" anchor="ctr"/>
           <a:lstStyle/>
           <a:p>
-            <a:pPr indent="0" marL="0">
+            <a:pPr marL="0" indent="0">
               <a:buNone/>
             </a:pPr>
             <a:r>
@@ -12587,7 +12646,7 @@
           <a:bodyPr wrap="square" rtlCol="0" anchor="ctr"/>
           <a:lstStyle/>
           <a:p>
-            <a:pPr indent="0" marL="0">
+            <a:pPr marL="0" indent="0">
               <a:buNone/>
             </a:pPr>
             <a:r>
@@ -12626,7 +12685,7 @@
           <a:bodyPr wrap="square" rtlCol="0" anchor="ctr"/>
           <a:lstStyle/>
           <a:p>
-            <a:pPr indent="0" marL="0">
+            <a:pPr marL="0" indent="0">
               <a:buNone/>
             </a:pPr>
             <a:r>
@@ -12694,7 +12753,7 @@
           <a:bodyPr wrap="square" rtlCol="0" anchor="ctr"/>
           <a:lstStyle/>
           <a:p>
-            <a:pPr indent="0" marL="0">
+            <a:pPr marL="0" indent="0">
               <a:buNone/>
             </a:pPr>
             <a:r>
@@ -12730,7 +12789,7 @@
           <a:bodyPr wrap="square" rtlCol="0" anchor="ctr"/>
           <a:lstStyle/>
           <a:p>
-            <a:pPr indent="0" marL="0">
+            <a:pPr marL="0" indent="0">
               <a:buNone/>
             </a:pPr>
             <a:r>
@@ -12769,7 +12828,7 @@
           <a:bodyPr wrap="square" rtlCol="0" anchor="ctr"/>
           <a:lstStyle/>
           <a:p>
-            <a:pPr indent="0" marL="0">
+            <a:pPr marL="0" indent="0">
               <a:buNone/>
             </a:pPr>
             <a:r>
@@ -12837,7 +12896,7 @@
           <a:bodyPr wrap="square" rtlCol="0" anchor="ctr"/>
           <a:lstStyle/>
           <a:p>
-            <a:pPr indent="0" marL="0">
+            <a:pPr marL="0" indent="0">
               <a:buNone/>
             </a:pPr>
             <a:r>
@@ -12873,7 +12932,7 @@
           <a:bodyPr wrap="square" rtlCol="0" anchor="ctr"/>
           <a:lstStyle/>
           <a:p>
-            <a:pPr indent="0" marL="0">
+            <a:pPr marL="0" indent="0">
               <a:buNone/>
             </a:pPr>
             <a:r>
@@ -12912,7 +12971,7 @@
           <a:bodyPr wrap="square" rtlCol="0" anchor="ctr"/>
           <a:lstStyle/>
           <a:p>
-            <a:pPr indent="0" marL="0">
+            <a:pPr marL="0" indent="0">
               <a:buNone/>
             </a:pPr>
             <a:r>
@@ -12980,7 +13039,7 @@
           <a:bodyPr wrap="square" rtlCol="0" anchor="ctr"/>
           <a:lstStyle/>
           <a:p>
-            <a:pPr indent="0" marL="0">
+            <a:pPr marL="0" indent="0">
               <a:buNone/>
             </a:pPr>
             <a:r>
@@ -13016,7 +13075,7 @@
           <a:bodyPr wrap="square" rtlCol="0" anchor="ctr"/>
           <a:lstStyle/>
           <a:p>
-            <a:pPr indent="0" marL="0">
+            <a:pPr marL="0" indent="0">
               <a:buNone/>
             </a:pPr>
             <a:r>
@@ -13055,7 +13114,7 @@
           <a:bodyPr wrap="square" rtlCol="0" anchor="ctr"/>
           <a:lstStyle/>
           <a:p>
-            <a:pPr indent="0" marL="0">
+            <a:pPr marL="0" indent="0">
               <a:buNone/>
             </a:pPr>
             <a:r>
@@ -13123,7 +13182,7 @@
           <a:bodyPr wrap="square" rtlCol="0" anchor="ctr"/>
           <a:lstStyle/>
           <a:p>
-            <a:pPr indent="0" marL="0">
+            <a:pPr marL="0" indent="0">
               <a:buNone/>
             </a:pPr>
             <a:r>
@@ -13159,7 +13218,7 @@
           <a:bodyPr wrap="square" rtlCol="0" anchor="ctr"/>
           <a:lstStyle/>
           <a:p>
-            <a:pPr indent="0" marL="0">
+            <a:pPr marL="0" indent="0">
               <a:buNone/>
             </a:pPr>
             <a:r>
@@ -13198,7 +13257,7 @@
           <a:bodyPr wrap="square" rtlCol="0" anchor="ctr"/>
           <a:lstStyle/>
           <a:p>
-            <a:pPr indent="0" marL="0">
+            <a:pPr marL="0" indent="0">
               <a:buNone/>
             </a:pPr>
             <a:r>
@@ -13232,6 +13291,7 @@
         <a:solidFill>
           <a:srgbClr val="0A0E27"/>
         </a:solidFill>
+        <a:effectLst/>
       </p:bgPr>
     </p:bg>
     <p:spTree>
@@ -13291,7 +13351,7 @@
           <a:bodyPr wrap="square" rtlCol="0" anchor="ctr"/>
           <a:lstStyle/>
           <a:p>
-            <a:pPr indent="0" marL="0">
+            <a:pPr marL="0" indent="0">
               <a:buNone/>
             </a:pPr>
             <a:r>
@@ -13327,7 +13387,7 @@
           <a:bodyPr wrap="square" rtlCol="0" anchor="ctr"/>
           <a:lstStyle/>
           <a:p>
-            <a:pPr indent="0" marL="0">
+            <a:pPr marL="0" indent="0">
               <a:buNone/>
             </a:pPr>
             <a:r>
@@ -13440,7 +13500,7 @@
           <a:bodyPr wrap="square" rtlCol="0" anchor="ctr"/>
           <a:lstStyle/>
           <a:p>
-            <a:pPr algn="ctr" indent="0" marL="0">
+            <a:pPr marL="0" indent="0" algn="ctr">
               <a:buNone/>
             </a:pPr>
             <a:r>
@@ -13479,7 +13539,7 @@
           <a:bodyPr wrap="square" rtlCol="0" anchor="ctr"/>
           <a:lstStyle/>
           <a:p>
-            <a:pPr indent="0" marL="0">
+            <a:pPr marL="0" indent="0">
               <a:buNone/>
             </a:pPr>
             <a:r>
@@ -13518,7 +13578,7 @@
           <a:bodyPr wrap="square" rtlCol="0" anchor="ctr"/>
           <a:lstStyle/>
           <a:p>
-            <a:pPr indent="0" marL="0">
+            <a:pPr marL="0" indent="0">
               <a:buNone/>
             </a:pPr>
             <a:r>
@@ -13606,7 +13666,7 @@
           <a:bodyPr wrap="square" rtlCol="0" anchor="ctr"/>
           <a:lstStyle/>
           <a:p>
-            <a:pPr algn="ctr" indent="0" marL="0">
+            <a:pPr marL="0" indent="0" algn="ctr">
               <a:buNone/>
             </a:pPr>
             <a:r>
@@ -13645,7 +13705,7 @@
           <a:bodyPr wrap="square" rtlCol="0" anchor="ctr"/>
           <a:lstStyle/>
           <a:p>
-            <a:pPr indent="0" marL="0">
+            <a:pPr marL="0" indent="0">
               <a:buNone/>
             </a:pPr>
             <a:r>
@@ -13733,7 +13793,7 @@
           <a:bodyPr wrap="square" rtlCol="0" anchor="ctr"/>
           <a:lstStyle/>
           <a:p>
-            <a:pPr algn="ctr" indent="0" marL="0">
+            <a:pPr marL="0" indent="0" algn="ctr">
               <a:buNone/>
             </a:pPr>
             <a:r>
@@ -13772,7 +13832,7 @@
           <a:bodyPr wrap="square" rtlCol="0" anchor="ctr"/>
           <a:lstStyle/>
           <a:p>
-            <a:pPr indent="0" marL="0">
+            <a:pPr marL="0" indent="0">
               <a:buNone/>
             </a:pPr>
             <a:r>
@@ -13840,7 +13900,7 @@
           <a:bodyPr wrap="square" rtlCol="0" anchor="ctr"/>
           <a:lstStyle/>
           <a:p>
-            <a:pPr algn="ctr" indent="0" marL="0">
+            <a:pPr marL="0" indent="0" algn="ctr">
               <a:buNone/>
             </a:pPr>
             <a:r>
@@ -13876,7 +13936,7 @@
           <a:bodyPr wrap="square" rtlCol="0" anchor="ctr"/>
           <a:lstStyle/>
           <a:p>
-            <a:pPr algn="ctr" indent="0" marL="0">
+            <a:pPr marL="0" indent="0" algn="ctr">
               <a:buNone/>
             </a:pPr>
             <a:r>
@@ -13915,7 +13975,7 @@
           <a:bodyPr wrap="square" rtlCol="0" anchor="ctr"/>
           <a:lstStyle/>
           <a:p>
-            <a:pPr algn="ctr" indent="0" marL="0">
+            <a:pPr marL="0" indent="0" algn="ctr">
               <a:buNone/>
             </a:pPr>
             <a:r>
@@ -13949,6 +14009,7 @@
         <a:solidFill>
           <a:srgbClr val="0A0E27"/>
         </a:solidFill>
+        <a:effectLst/>
       </p:bgPr>
     </p:bg>
     <p:spTree>
@@ -14030,7 +14091,7 @@
           <a:bodyPr wrap="square" rtlCol="0" anchor="ctr"/>
           <a:lstStyle/>
           <a:p>
-            <a:pPr algn="ctr" indent="0" marL="0">
+            <a:pPr marL="0" indent="0" algn="ctr">
               <a:buNone/>
             </a:pPr>
             <a:r>
@@ -14196,7 +14257,7 @@
           <a:bodyPr wrap="square" rtlCol="0" anchor="ctr"/>
           <a:lstStyle/>
           <a:p>
-            <a:pPr algn="ctr" indent="0" marL="0">
+            <a:pPr marL="0" indent="0" algn="ctr">
               <a:buNone/>
             </a:pPr>
             <a:r>
@@ -14235,7 +14296,7 @@
           <a:bodyPr wrap="square" rtlCol="0" anchor="ctr"/>
           <a:lstStyle/>
           <a:p>
-            <a:pPr algn="ctr" indent="0" marL="0">
+            <a:pPr marL="0" indent="0" algn="ctr">
               <a:buNone/>
             </a:pPr>
             <a:r>
@@ -14271,7 +14332,7 @@
           <a:bodyPr wrap="square" rtlCol="0" anchor="ctr"/>
           <a:lstStyle/>
           <a:p>
-            <a:pPr algn="ctr" indent="0" marL="0">
+            <a:pPr marL="0" indent="0" algn="ctr">
               <a:lnSpc>
                 <a:spcPts val="1400"/>
               </a:lnSpc>
@@ -14291,7 +14352,7 @@
             <a:endParaRPr lang="en-US" sz="1200" dirty="0"/>
           </a:p>
           <a:p>
-            <a:pPr algn="ctr" indent="0" marL="0">
+            <a:pPr marL="0" indent="0" algn="ctr">
               <a:lnSpc>
                 <a:spcPts val="1400"/>
               </a:lnSpc>
@@ -14333,7 +14394,7 @@
           <a:bodyPr wrap="square" rtlCol="0" anchor="ctr"/>
           <a:lstStyle/>
           <a:p>
-            <a:pPr algn="ctr" indent="0" marL="0">
+            <a:pPr marL="0" indent="0" algn="ctr">
               <a:buNone/>
             </a:pPr>
             <a:r>
@@ -14474,7 +14535,7 @@
           <a:bodyPr wrap="square" rtlCol="0" anchor="ctr"/>
           <a:lstStyle/>
           <a:p>
-            <a:pPr algn="ctr" indent="0" marL="0">
+            <a:pPr marL="0" indent="0" algn="ctr">
               <a:buNone/>
             </a:pPr>
             <a:r>
@@ -14513,7 +14574,7 @@
           <a:bodyPr wrap="square" rtlCol="0" anchor="ctr"/>
           <a:lstStyle/>
           <a:p>
-            <a:pPr algn="ctr" indent="0" marL="0">
+            <a:pPr marL="0" indent="0" algn="ctr">
               <a:buNone/>
             </a:pPr>
             <a:r>
@@ -14549,7 +14610,7 @@
           <a:bodyPr wrap="square" rtlCol="0" anchor="ctr"/>
           <a:lstStyle/>
           <a:p>
-            <a:pPr algn="ctr" indent="0" marL="0">
+            <a:pPr marL="0" indent="0" algn="ctr">
               <a:lnSpc>
                 <a:spcPts val="1400"/>
               </a:lnSpc>
@@ -14569,7 +14630,7 @@
             <a:endParaRPr lang="en-US" sz="1200" dirty="0"/>
           </a:p>
           <a:p>
-            <a:pPr algn="ctr" indent="0" marL="0">
+            <a:pPr marL="0" indent="0" algn="ctr">
               <a:lnSpc>
                 <a:spcPts val="1400"/>
               </a:lnSpc>
@@ -14611,7 +14672,7 @@
           <a:bodyPr wrap="square" rtlCol="0" anchor="ctr"/>
           <a:lstStyle/>
           <a:p>
-            <a:pPr algn="ctr" indent="0" marL="0">
+            <a:pPr marL="0" indent="0" algn="ctr">
               <a:buNone/>
             </a:pPr>
             <a:r>
@@ -14752,7 +14813,7 @@
           <a:bodyPr wrap="square" rtlCol="0" anchor="ctr"/>
           <a:lstStyle/>
           <a:p>
-            <a:pPr algn="ctr" indent="0" marL="0">
+            <a:pPr marL="0" indent="0" algn="ctr">
               <a:buNone/>
             </a:pPr>
             <a:r>
@@ -14791,7 +14852,7 @@
           <a:bodyPr wrap="square" rtlCol="0" anchor="ctr"/>
           <a:lstStyle/>
           <a:p>
-            <a:pPr algn="ctr" indent="0" marL="0">
+            <a:pPr marL="0" indent="0" algn="ctr">
               <a:buNone/>
             </a:pPr>
             <a:r>
@@ -14827,7 +14888,7 @@
           <a:bodyPr wrap="square" rtlCol="0" anchor="ctr"/>
           <a:lstStyle/>
           <a:p>
-            <a:pPr algn="ctr" indent="0" marL="0">
+            <a:pPr marL="0" indent="0" algn="ctr">
               <a:lnSpc>
                 <a:spcPts val="1400"/>
               </a:lnSpc>
@@ -14847,7 +14908,7 @@
             <a:endParaRPr lang="en-US" sz="1200" dirty="0"/>
           </a:p>
           <a:p>
-            <a:pPr algn="ctr" indent="0" marL="0">
+            <a:pPr marL="0" indent="0" algn="ctr">
               <a:lnSpc>
                 <a:spcPts val="1400"/>
               </a:lnSpc>
@@ -14889,7 +14950,7 @@
           <a:bodyPr wrap="square" rtlCol="0" anchor="ctr"/>
           <a:lstStyle/>
           <a:p>
-            <a:pPr algn="ctr" indent="0" marL="0">
+            <a:pPr marL="0" indent="0" algn="ctr">
               <a:buNone/>
             </a:pPr>
             <a:r>
@@ -15030,7 +15091,7 @@
           <a:bodyPr wrap="square" rtlCol="0" anchor="ctr"/>
           <a:lstStyle/>
           <a:p>
-            <a:pPr algn="ctr" indent="0" marL="0">
+            <a:pPr marL="0" indent="0" algn="ctr">
               <a:buNone/>
             </a:pPr>
             <a:r>
@@ -15069,7 +15130,7 @@
           <a:bodyPr wrap="square" rtlCol="0" anchor="ctr"/>
           <a:lstStyle/>
           <a:p>
-            <a:pPr algn="ctr" indent="0" marL="0">
+            <a:pPr marL="0" indent="0" algn="ctr">
               <a:buNone/>
             </a:pPr>
             <a:r>
@@ -15105,7 +15166,7 @@
           <a:bodyPr wrap="square" rtlCol="0" anchor="ctr"/>
           <a:lstStyle/>
           <a:p>
-            <a:pPr algn="ctr" indent="0" marL="0">
+            <a:pPr marL="0" indent="0" algn="ctr">
               <a:lnSpc>
                 <a:spcPts val="1400"/>
               </a:lnSpc>
@@ -15125,7 +15186,7 @@
             <a:endParaRPr lang="en-US" sz="1200" dirty="0"/>
           </a:p>
           <a:p>
-            <a:pPr algn="ctr" indent="0" marL="0">
+            <a:pPr marL="0" indent="0" algn="ctr">
               <a:lnSpc>
                 <a:spcPts val="1400"/>
               </a:lnSpc>
@@ -15167,7 +15228,7 @@
           <a:bodyPr wrap="square" rtlCol="0" anchor="ctr"/>
           <a:lstStyle/>
           <a:p>
-            <a:pPr algn="ctr" indent="0" marL="0">
+            <a:pPr marL="0" indent="0" algn="ctr">
               <a:buNone/>
             </a:pPr>
             <a:r>
@@ -15235,7 +15296,7 @@
           <a:bodyPr wrap="square" rtlCol="0" anchor="ctr"/>
           <a:lstStyle/>
           <a:p>
-            <a:pPr indent="0" marL="0">
+            <a:pPr marL="0" indent="0">
               <a:buNone/>
             </a:pPr>
             <a:r>
@@ -15274,7 +15335,7 @@
           <a:bodyPr wrap="square" rtlCol="0" anchor="ctr"/>
           <a:lstStyle/>
           <a:p>
-            <a:pPr indent="0" marL="0">
+            <a:pPr marL="0" indent="0">
               <a:buNone/>
             </a:pPr>
             <a:r>
@@ -15313,7 +15374,7 @@
           <a:bodyPr wrap="square" rtlCol="0" anchor="ctr"/>
           <a:lstStyle/>
           <a:p>
-            <a:pPr indent="0" marL="0">
+            <a:pPr marL="0" indent="0">
               <a:buNone/>
             </a:pPr>
             <a:r>
@@ -15352,7 +15413,7 @@
           <a:bodyPr wrap="square" rtlCol="0" anchor="ctr"/>
           <a:lstStyle/>
           <a:p>
-            <a:pPr indent="0" marL="0">
+            <a:pPr marL="0" indent="0">
               <a:buNone/>
             </a:pPr>
             <a:r>
@@ -15391,7 +15452,7 @@
           <a:bodyPr wrap="square" rtlCol="0" anchor="ctr"/>
           <a:lstStyle/>
           <a:p>
-            <a:pPr indent="0" marL="0">
+            <a:pPr marL="0" indent="0">
               <a:buNone/>
             </a:pPr>
             <a:r>
@@ -15430,7 +15491,7 @@
           <a:bodyPr wrap="square" rtlCol="0" anchor="ctr"/>
           <a:lstStyle/>
           <a:p>
-            <a:pPr indent="0" marL="0">
+            <a:pPr marL="0" indent="0">
               <a:buNone/>
             </a:pPr>
             <a:r>
@@ -15464,6 +15525,7 @@
         <a:solidFill>
           <a:srgbClr val="0A0E27"/>
         </a:solidFill>
+        <a:effectLst/>
       </p:bgPr>
     </p:bg>
     <p:spTree>
@@ -15545,7 +15607,7 @@
           <a:bodyPr wrap="square" rtlCol="0" anchor="ctr"/>
           <a:lstStyle/>
           <a:p>
-            <a:pPr indent="0" marL="0">
+            <a:pPr marL="0" indent="0">
               <a:buNone/>
             </a:pPr>
             <a:r>
@@ -15584,7 +15646,7 @@
           <a:bodyPr wrap="square" rtlCol="0" anchor="ctr"/>
           <a:lstStyle/>
           <a:p>
-            <a:pPr indent="0" marL="0">
+            <a:pPr marL="0" indent="0">
               <a:buNone/>
             </a:pPr>
             <a:r>
@@ -15623,7 +15685,7 @@
           <a:bodyPr wrap="square" rtlCol="0" anchor="ctr"/>
           <a:lstStyle/>
           <a:p>
-            <a:pPr algn="ctr" indent="0" marL="0">
+            <a:pPr marL="0" indent="0" algn="ctr">
               <a:buNone/>
             </a:pPr>
             <a:r>
@@ -15686,7 +15748,7 @@
           <a:bodyPr wrap="square" rtlCol="0" anchor="ctr"/>
           <a:lstStyle/>
           <a:p>
-            <a:pPr indent="0" marL="0">
+            <a:pPr marL="0" indent="0">
               <a:buNone/>
             </a:pPr>
             <a:r>
@@ -15725,7 +15787,7 @@
           <a:bodyPr wrap="square" rtlCol="0" anchor="ctr"/>
           <a:lstStyle/>
           <a:p>
-            <a:pPr indent="0" marL="0">
+            <a:pPr marL="0" indent="0">
               <a:buNone/>
             </a:pPr>
             <a:r>
@@ -15764,7 +15826,7 @@
           <a:bodyPr wrap="square" rtlCol="0" anchor="ctr"/>
           <a:lstStyle/>
           <a:p>
-            <a:pPr indent="0" marL="0">
+            <a:pPr marL="0" indent="0">
               <a:buNone/>
             </a:pPr>
             <a:r>
@@ -15828,7 +15890,7 @@
           <a:bodyPr wrap="square" rtlCol="0" anchor="ctr"/>
           <a:lstStyle/>
           <a:p>
-            <a:pPr indent="0" marL="0">
+            <a:pPr marL="0" indent="0">
               <a:buNone/>
             </a:pPr>
             <a:r>
@@ -15867,7 +15929,7 @@
           <a:bodyPr wrap="square" rtlCol="0" anchor="ctr"/>
           <a:lstStyle/>
           <a:p>
-            <a:pPr algn="ctr" indent="0" marL="0">
+            <a:pPr marL="0" indent="0" algn="ctr">
               <a:buNone/>
             </a:pPr>
             <a:r>
@@ -15930,7 +15992,7 @@
           <a:bodyPr wrap="square" rtlCol="0" anchor="ctr"/>
           <a:lstStyle/>
           <a:p>
-            <a:pPr indent="0" marL="0">
+            <a:pPr marL="0" indent="0">
               <a:buNone/>
             </a:pPr>
             <a:r>
@@ -15969,7 +16031,7 @@
           <a:bodyPr wrap="square" rtlCol="0" anchor="ctr"/>
           <a:lstStyle/>
           <a:p>
-            <a:pPr indent="0" marL="0">
+            <a:pPr marL="0" indent="0">
               <a:buNone/>
             </a:pPr>
             <a:r>
@@ -16008,7 +16070,7 @@
           <a:bodyPr wrap="square" rtlCol="0" anchor="ctr"/>
           <a:lstStyle/>
           <a:p>
-            <a:pPr indent="0" marL="0">
+            <a:pPr marL="0" indent="0">
               <a:buNone/>
             </a:pPr>
             <a:r>
@@ -16072,7 +16134,7 @@
           <a:bodyPr wrap="square" rtlCol="0" anchor="ctr"/>
           <a:lstStyle/>
           <a:p>
-            <a:pPr indent="0" marL="0">
+            <a:pPr marL="0" indent="0">
               <a:buNone/>
             </a:pPr>
             <a:r>
@@ -16111,7 +16173,7 @@
           <a:bodyPr wrap="square" rtlCol="0" anchor="ctr"/>
           <a:lstStyle/>
           <a:p>
-            <a:pPr algn="ctr" indent="0" marL="0">
+            <a:pPr marL="0" indent="0" algn="ctr">
               <a:buNone/>
             </a:pPr>
             <a:r>
@@ -16174,7 +16236,7 @@
           <a:bodyPr wrap="square" rtlCol="0" anchor="ctr"/>
           <a:lstStyle/>
           <a:p>
-            <a:pPr indent="0" marL="0">
+            <a:pPr marL="0" indent="0">
               <a:buNone/>
             </a:pPr>
             <a:r>
@@ -16213,7 +16275,7 @@
           <a:bodyPr wrap="square" rtlCol="0" anchor="ctr"/>
           <a:lstStyle/>
           <a:p>
-            <a:pPr indent="0" marL="0">
+            <a:pPr marL="0" indent="0">
               <a:buNone/>
             </a:pPr>
             <a:r>
@@ -16252,7 +16314,7 @@
           <a:bodyPr wrap="square" rtlCol="0" anchor="ctr"/>
           <a:lstStyle/>
           <a:p>
-            <a:pPr indent="0" marL="0">
+            <a:pPr marL="0" indent="0">
               <a:buNone/>
             </a:pPr>
             <a:r>
@@ -16316,7 +16378,7 @@
           <a:bodyPr wrap="square" rtlCol="0" anchor="ctr"/>
           <a:lstStyle/>
           <a:p>
-            <a:pPr indent="0" marL="0">
+            <a:pPr marL="0" indent="0">
               <a:buNone/>
             </a:pPr>
             <a:r>
@@ -16355,7 +16417,7 @@
           <a:bodyPr wrap="square" rtlCol="0" anchor="ctr"/>
           <a:lstStyle/>
           <a:p>
-            <a:pPr algn="ctr" indent="0" marL="0">
+            <a:pPr marL="0" indent="0" algn="ctr">
               <a:buNone/>
             </a:pPr>
             <a:r>
@@ -16418,7 +16480,7 @@
           <a:bodyPr wrap="square" rtlCol="0" anchor="ctr"/>
           <a:lstStyle/>
           <a:p>
-            <a:pPr indent="0" marL="0">
+            <a:pPr marL="0" indent="0">
               <a:buNone/>
             </a:pPr>
             <a:r>
@@ -16457,7 +16519,7 @@
           <a:bodyPr wrap="square" rtlCol="0" anchor="ctr"/>
           <a:lstStyle/>
           <a:p>
-            <a:pPr indent="0" marL="0">
+            <a:pPr marL="0" indent="0">
               <a:buNone/>
             </a:pPr>
             <a:r>
@@ -16496,7 +16558,7 @@
           <a:bodyPr wrap="square" rtlCol="0" anchor="ctr"/>
           <a:lstStyle/>
           <a:p>
-            <a:pPr indent="0" marL="0">
+            <a:pPr marL="0" indent="0">
               <a:buNone/>
             </a:pPr>
             <a:r>
@@ -16560,7 +16622,7 @@
           <a:bodyPr wrap="square" rtlCol="0" anchor="ctr"/>
           <a:lstStyle/>
           <a:p>
-            <a:pPr indent="0" marL="0">
+            <a:pPr marL="0" indent="0">
               <a:buNone/>
             </a:pPr>
             <a:r>
@@ -16599,7 +16661,7 @@
           <a:bodyPr wrap="square" rtlCol="0" anchor="ctr"/>
           <a:lstStyle/>
           <a:p>
-            <a:pPr algn="ctr" indent="0" marL="0">
+            <a:pPr marL="0" indent="0" algn="ctr">
               <a:buNone/>
             </a:pPr>
             <a:r>
@@ -16662,7 +16724,7 @@
           <a:bodyPr wrap="square" rtlCol="0" anchor="ctr"/>
           <a:lstStyle/>
           <a:p>
-            <a:pPr indent="0" marL="0">
+            <a:pPr marL="0" indent="0">
               <a:buNone/>
             </a:pPr>
             <a:r>
@@ -16701,7 +16763,7 @@
           <a:bodyPr wrap="square" rtlCol="0" anchor="ctr"/>
           <a:lstStyle/>
           <a:p>
-            <a:pPr indent="0" marL="0">
+            <a:pPr marL="0" indent="0">
               <a:buNone/>
             </a:pPr>
             <a:r>
@@ -16740,7 +16802,7 @@
           <a:bodyPr wrap="square" rtlCol="0" anchor="ctr"/>
           <a:lstStyle/>
           <a:p>
-            <a:pPr indent="0" marL="0">
+            <a:pPr marL="0" indent="0">
               <a:buNone/>
             </a:pPr>
             <a:r>
@@ -16804,7 +16866,7 @@
           <a:bodyPr wrap="square" rtlCol="0" anchor="ctr"/>
           <a:lstStyle/>
           <a:p>
-            <a:pPr indent="0" marL="0">
+            <a:pPr marL="0" indent="0">
               <a:buNone/>
             </a:pPr>
             <a:r>
@@ -16838,6 +16900,7 @@
         <a:solidFill>
           <a:srgbClr val="0A0E27"/>
         </a:solidFill>
+        <a:effectLst/>
       </p:bgPr>
     </p:bg>
     <p:spTree>
@@ -16919,7 +16982,7 @@
           <a:bodyPr wrap="square" rtlCol="0" anchor="ctr"/>
           <a:lstStyle/>
           <a:p>
-            <a:pPr algn="ctr" indent="0" marL="0">
+            <a:pPr marL="0" indent="0" algn="ctr">
               <a:buNone/>
             </a:pPr>
             <a:r>
@@ -17012,7 +17075,7 @@
           <a:bodyPr wrap="square" rtlCol="0" anchor="ctr"/>
           <a:lstStyle/>
           <a:p>
-            <a:pPr indent="0" marL="0">
+            <a:pPr marL="0" indent="0">
               <a:buNone/>
             </a:pPr>
             <a:r>
@@ -17073,7 +17136,7 @@
           <a:bodyPr wrap="square" rtlCol="0" anchor="ctr"/>
           <a:lstStyle/>
           <a:p>
-            <a:pPr indent="0" marL="0">
+            <a:pPr marL="0" indent="0">
               <a:buNone/>
             </a:pPr>
             <a:r>
@@ -17112,7 +17175,7 @@
           <a:bodyPr wrap="square" rtlCol="0" anchor="ctr"/>
           <a:lstStyle/>
           <a:p>
-            <a:pPr indent="0" marL="0">
+            <a:pPr marL="0" indent="0">
               <a:buNone/>
             </a:pPr>
             <a:r>
@@ -17151,7 +17214,7 @@
           <a:bodyPr wrap="square" rtlCol="0" anchor="ctr"/>
           <a:lstStyle/>
           <a:p>
-            <a:pPr indent="0" marL="0">
+            <a:pPr marL="0" indent="0">
               <a:buNone/>
             </a:pPr>
             <a:r>
@@ -17168,7 +17231,7 @@
             <a:endParaRPr lang="en-US" sz="1100" dirty="0"/>
           </a:p>
           <a:p>
-            <a:pPr indent="0" marL="0">
+            <a:pPr marL="0" indent="0">
               <a:buNone/>
             </a:pPr>
             <a:r>
@@ -17236,7 +17299,7 @@
           <a:bodyPr wrap="square" rtlCol="0" anchor="ctr"/>
           <a:lstStyle/>
           <a:p>
-            <a:pPr indent="0" marL="0">
+            <a:pPr marL="0" indent="0">
               <a:buNone/>
             </a:pPr>
             <a:r>
@@ -17297,7 +17360,7 @@
           <a:bodyPr wrap="square" rtlCol="0" anchor="ctr"/>
           <a:lstStyle/>
           <a:p>
-            <a:pPr indent="0" marL="0">
+            <a:pPr marL="0" indent="0">
               <a:buNone/>
             </a:pPr>
             <a:r>
@@ -17336,7 +17399,7 @@
           <a:bodyPr wrap="square" rtlCol="0" anchor="ctr"/>
           <a:lstStyle/>
           <a:p>
-            <a:pPr indent="0" marL="0">
+            <a:pPr marL="0" indent="0">
               <a:buNone/>
             </a:pPr>
             <a:r>
@@ -17375,7 +17438,7 @@
           <a:bodyPr wrap="square" rtlCol="0" anchor="ctr"/>
           <a:lstStyle/>
           <a:p>
-            <a:pPr indent="0" marL="0">
+            <a:pPr marL="0" indent="0">
               <a:buNone/>
             </a:pPr>
             <a:r>
@@ -17443,7 +17506,7 @@
           <a:bodyPr wrap="square" rtlCol="0" anchor="ctr"/>
           <a:lstStyle/>
           <a:p>
-            <a:pPr algn="ctr" indent="0" marL="0">
+            <a:pPr marL="0" indent="0" algn="ctr">
               <a:buNone/>
             </a:pPr>
             <a:r>
@@ -17460,7 +17523,7 @@
             <a:endParaRPr lang="en-US" sz="1300" dirty="0"/>
           </a:p>
           <a:p>
-            <a:pPr algn="ctr" indent="0" marL="0">
+            <a:pPr marL="0" indent="0" algn="ctr">
               <a:buNone/>
             </a:pPr>
             <a:r>
@@ -17528,7 +17591,7 @@
           <a:bodyPr wrap="square" rtlCol="0" anchor="ctr"/>
           <a:lstStyle/>
           <a:p>
-            <a:pPr algn="ctr" indent="0" marL="0">
+            <a:pPr marL="0" indent="0" algn="ctr">
               <a:buNone/>
             </a:pPr>
             <a:r>
@@ -17545,7 +17608,7 @@
             <a:endParaRPr lang="en-US" sz="1300" dirty="0"/>
           </a:p>
           <a:p>
-            <a:pPr algn="ctr" indent="0" marL="0">
+            <a:pPr marL="0" indent="0" algn="ctr">
               <a:buNone/>
             </a:pPr>
             <a:r>
@@ -17579,6 +17642,7 @@
         <a:solidFill>
           <a:srgbClr val="0A0E27"/>
         </a:solidFill>
+        <a:effectLst/>
       </p:bgPr>
     </p:bg>
     <p:spTree>
@@ -17638,7 +17702,7 @@
           <a:bodyPr wrap="square" rtlCol="0" anchor="ctr"/>
           <a:lstStyle/>
           <a:p>
-            <a:pPr algn="ctr" indent="0" marL="0">
+            <a:pPr marL="0" indent="0" algn="ctr">
               <a:buNone/>
             </a:pPr>
             <a:r>
@@ -17674,7 +17738,7 @@
           <a:bodyPr wrap="square" rtlCol="0" anchor="ctr"/>
           <a:lstStyle/>
           <a:p>
-            <a:pPr algn="ctr" indent="0" marL="0">
+            <a:pPr marL="0" indent="0" algn="ctr">
               <a:buNone/>
             </a:pPr>
             <a:r>
@@ -17713,7 +17777,7 @@
           <a:bodyPr wrap="square" rtlCol="0" anchor="ctr"/>
           <a:lstStyle/>
           <a:p>
-            <a:pPr algn="ctr" indent="0" marL="0">
+            <a:pPr marL="0" indent="0" algn="ctr">
               <a:buNone/>
             </a:pPr>
             <a:r>
@@ -17806,7 +17870,7 @@
           <a:bodyPr wrap="square" rtlCol="0" anchor="ctr"/>
           <a:lstStyle/>
           <a:p>
-            <a:pPr indent="0" marL="0">
+            <a:pPr marL="0" indent="0">
               <a:buNone/>
             </a:pPr>
             <a:r>
@@ -17865,7 +17929,7 @@
           <a:bodyPr wrap="square" rtlCol="0" anchor="ctr"/>
           <a:lstStyle/>
           <a:p>
-            <a:pPr algn="ctr" indent="0" marL="0">
+            <a:pPr marL="0" indent="0" algn="ctr">
               <a:buNone/>
             </a:pPr>
             <a:r>
@@ -17904,7 +17968,7 @@
           <a:bodyPr wrap="square" rtlCol="0" anchor="ctr"/>
           <a:lstStyle/>
           <a:p>
-            <a:pPr indent="0" marL="0">
+            <a:pPr marL="0" indent="0">
               <a:buNone/>
             </a:pPr>
             <a:r>
@@ -17963,7 +18027,7 @@
           <a:bodyPr wrap="square" rtlCol="0" anchor="ctr"/>
           <a:lstStyle/>
           <a:p>
-            <a:pPr algn="ctr" indent="0" marL="0">
+            <a:pPr marL="0" indent="0" algn="ctr">
               <a:buNone/>
             </a:pPr>
             <a:r>
@@ -18002,7 +18066,7 @@
           <a:bodyPr wrap="square" rtlCol="0" anchor="ctr"/>
           <a:lstStyle/>
           <a:p>
-            <a:pPr indent="0" marL="0">
+            <a:pPr marL="0" indent="0">
               <a:buNone/>
             </a:pPr>
             <a:r>
@@ -18061,7 +18125,7 @@
           <a:bodyPr wrap="square" rtlCol="0" anchor="ctr"/>
           <a:lstStyle/>
           <a:p>
-            <a:pPr algn="ctr" indent="0" marL="0">
+            <a:pPr marL="0" indent="0" algn="ctr">
               <a:buNone/>
             </a:pPr>
             <a:r>
@@ -18100,7 +18164,7 @@
           <a:bodyPr wrap="square" rtlCol="0" anchor="ctr"/>
           <a:lstStyle/>
           <a:p>
-            <a:pPr indent="0" marL="0">
+            <a:pPr marL="0" indent="0">
               <a:buNone/>
             </a:pPr>
             <a:r>
@@ -18159,7 +18223,7 @@
           <a:bodyPr wrap="square" rtlCol="0" anchor="ctr"/>
           <a:lstStyle/>
           <a:p>
-            <a:pPr algn="ctr" indent="0" marL="0">
+            <a:pPr marL="0" indent="0" algn="ctr">
               <a:buNone/>
             </a:pPr>
             <a:r>
@@ -18198,7 +18262,7 @@
           <a:bodyPr wrap="square" rtlCol="0" anchor="ctr"/>
           <a:lstStyle/>
           <a:p>
-            <a:pPr indent="0" marL="0">
+            <a:pPr marL="0" indent="0">
               <a:buNone/>
             </a:pPr>
             <a:r>
@@ -18266,7 +18330,7 @@
           <a:bodyPr wrap="square" rtlCol="0" anchor="ctr"/>
           <a:lstStyle/>
           <a:p>
-            <a:pPr indent="0" marL="0">
+            <a:pPr marL="0" indent="0">
               <a:buNone/>
             </a:pPr>
             <a:r>
@@ -18305,7 +18369,7 @@
           <a:bodyPr wrap="square" rtlCol="0" anchor="ctr"/>
           <a:lstStyle/>
           <a:p>
-            <a:pPr indent="0" marL="0">
+            <a:pPr marL="0" indent="0">
               <a:buNone/>
             </a:pPr>
             <a:r>
@@ -18322,7 +18386,7 @@
             <a:endParaRPr lang="en-US" sz="1100" dirty="0"/>
           </a:p>
           <a:p>
-            <a:pPr indent="0" marL="0">
+            <a:pPr marL="0" indent="0">
               <a:buNone/>
             </a:pPr>
             <a:r>
@@ -18390,7 +18454,7 @@
           <a:bodyPr wrap="square" rtlCol="0" anchor="ctr"/>
           <a:lstStyle/>
           <a:p>
-            <a:pPr indent="0" marL="0">
+            <a:pPr marL="0" indent="0">
               <a:buNone/>
             </a:pPr>
             <a:r>
@@ -18429,7 +18493,7 @@
           <a:bodyPr wrap="square" rtlCol="0" anchor="ctr"/>
           <a:lstStyle/>
           <a:p>
-            <a:pPr indent="0" marL="0">
+            <a:pPr marL="0" indent="0">
               <a:buNone/>
             </a:pPr>
             <a:r>
@@ -18748,4 +18812,299 @@
     </a:ext>
   </a:extLst>
 </a:theme>
+</file>
+
+<file path=ppt/theme/theme2.xml><?xml version="1.0" encoding="utf-8"?>
+<a:theme xmlns:a="http://schemas.openxmlformats.org/drawingml/2006/main" name="Office Theme">
+  <a:themeElements>
+    <a:clrScheme name="Office">
+      <a:dk1>
+        <a:sysClr val="windowText" lastClr="000000"/>
+      </a:dk1>
+      <a:lt1>
+        <a:sysClr val="window" lastClr="FFFFFF"/>
+      </a:lt1>
+      <a:dk2>
+        <a:srgbClr val="44546A"/>
+      </a:dk2>
+      <a:lt2>
+        <a:srgbClr val="E7E6E6"/>
+      </a:lt2>
+      <a:accent1>
+        <a:srgbClr val="4472C4"/>
+      </a:accent1>
+      <a:accent2>
+        <a:srgbClr val="ED7D31"/>
+      </a:accent2>
+      <a:accent3>
+        <a:srgbClr val="A5A5A5"/>
+      </a:accent3>
+      <a:accent4>
+        <a:srgbClr val="FFC000"/>
+      </a:accent4>
+      <a:accent5>
+        <a:srgbClr val="5B9BD5"/>
+      </a:accent5>
+      <a:accent6>
+        <a:srgbClr val="70AD47"/>
+      </a:accent6>
+      <a:hlink>
+        <a:srgbClr val="0563C1"/>
+      </a:hlink>
+      <a:folHlink>
+        <a:srgbClr val="954F72"/>
+      </a:folHlink>
+    </a:clrScheme>
+    <a:fontScheme name="Office">
+      <a:majorFont>
+        <a:latin typeface="Calibri Light" panose="020F0302020204030204"/>
+        <a:ea typeface=""/>
+        <a:cs typeface=""/>
+        <a:font script="Jpan" typeface="游ゴシック Light"/>
+        <a:font script="Hang" typeface="맑은 고딕"/>
+        <a:font script="Hans" typeface="等线 Light"/>
+        <a:font script="Hant" typeface="新細明體"/>
+        <a:font script="Arab" typeface="Times New Roman"/>
+        <a:font script="Hebr" typeface="Times New Roman"/>
+        <a:font script="Thai" typeface="Angsana New"/>
+        <a:font script="Ethi" typeface="Nyala"/>
+        <a:font script="Beng" typeface="Vrinda"/>
+        <a:font script="Gujr" typeface="Shruti"/>
+        <a:font script="Khmr" typeface="MoolBoran"/>
+        <a:font script="Knda" typeface="Tunga"/>
+        <a:font script="Guru" typeface="Raavi"/>
+        <a:font script="Cans" typeface="Euphemia"/>
+        <a:font script="Cher" typeface="Plantagenet Cherokee"/>
+        <a:font script="Yiii" typeface="Microsoft Yi Baiti"/>
+        <a:font script="Tibt" typeface="Microsoft Himalaya"/>
+        <a:font script="Thaa" typeface="MV Boli"/>
+        <a:font script="Deva" typeface="Mangal"/>
+        <a:font script="Telu" typeface="Gautami"/>
+        <a:font script="Taml" typeface="Latha"/>
+        <a:font script="Syrc" typeface="Estrangelo Edessa"/>
+        <a:font script="Orya" typeface="Kalinga"/>
+        <a:font script="Mlym" typeface="Kartika"/>
+        <a:font script="Laoo" typeface="DokChampa"/>
+        <a:font script="Sinh" typeface="Iskoola Pota"/>
+        <a:font script="Mong" typeface="Mongolian Baiti"/>
+        <a:font script="Viet" typeface="Times New Roman"/>
+        <a:font script="Uigh" typeface="Microsoft Uighur"/>
+        <a:font script="Geor" typeface="Sylfaen"/>
+        <a:font script="Armn" typeface="Arial"/>
+        <a:font script="Bugi" typeface="Leelawadee UI"/>
+        <a:font script="Bopo" typeface="Microsoft JhengHei"/>
+        <a:font script="Java" typeface="Javanese Text"/>
+        <a:font script="Lisu" typeface="Segoe UI"/>
+        <a:font script="Mymr" typeface="Myanmar Text"/>
+        <a:font script="Nkoo" typeface="Ebrima"/>
+        <a:font script="Olck" typeface="Nirmala UI"/>
+        <a:font script="Osma" typeface="Ebrima"/>
+        <a:font script="Phag" typeface="Phagspa"/>
+        <a:font script="Syrn" typeface="Estrangelo Edessa"/>
+        <a:font script="Syrj" typeface="Estrangelo Edessa"/>
+        <a:font script="Syre" typeface="Estrangelo Edessa"/>
+        <a:font script="Sora" typeface="Nirmala UI"/>
+        <a:font script="Tale" typeface="Microsoft Tai Le"/>
+        <a:font script="Talu" typeface="Microsoft New Tai Lue"/>
+        <a:font script="Tfng" typeface="Ebrima"/>
+      </a:majorFont>
+      <a:minorFont>
+        <a:latin typeface="Calibri" panose="020F0502020204030204"/>
+        <a:ea typeface=""/>
+        <a:cs typeface=""/>
+        <a:font script="Jpan" typeface="游ゴシック"/>
+        <a:font script="Hang" typeface="맑은 고딕"/>
+        <a:font script="Hans" typeface="等线"/>
+        <a:font script="Hant" typeface="新細明體"/>
+        <a:font script="Arab" typeface="Arial"/>
+        <a:font script="Hebr" typeface="Arial"/>
+        <a:font script="Thai" typeface="Cordia New"/>
+        <a:font script="Ethi" typeface="Nyala"/>
+        <a:font script="Beng" typeface="Vrinda"/>
+        <a:font script="Gujr" typeface="Shruti"/>
+        <a:font script="Khmr" typeface="DaunPenh"/>
+        <a:font script="Knda" typeface="Tunga"/>
+        <a:font script="Guru" typeface="Raavi"/>
+        <a:font script="Cans" typeface="Euphemia"/>
+        <a:font script="Cher" typeface="Plantagenet Cherokee"/>
+        <a:font script="Yiii" typeface="Microsoft Yi Baiti"/>
+        <a:font script="Tibt" typeface="Microsoft Himalaya"/>
+        <a:font script="Thaa" typeface="MV Boli"/>
+        <a:font script="Deva" typeface="Mangal"/>
+        <a:font script="Telu" typeface="Gautami"/>
+        <a:font script="Taml" typeface="Latha"/>
+        <a:font script="Syrc" typeface="Estrangelo Edessa"/>
+        <a:font script="Orya" typeface="Kalinga"/>
+        <a:font script="Mlym" typeface="Kartika"/>
+        <a:font script="Laoo" typeface="DokChampa"/>
+        <a:font script="Sinh" typeface="Iskoola Pota"/>
+        <a:font script="Mong" typeface="Mongolian Baiti"/>
+        <a:font script="Viet" typeface="Arial"/>
+        <a:font script="Uigh" typeface="Microsoft Uighur"/>
+        <a:font script="Geor" typeface="Sylfaen"/>
+        <a:font script="Armn" typeface="Arial"/>
+        <a:font script="Bugi" typeface="Leelawadee UI"/>
+        <a:font script="Bopo" typeface="Microsoft JhengHei"/>
+        <a:font script="Java" typeface="Javanese Text"/>
+        <a:font script="Lisu" typeface="Segoe UI"/>
+        <a:font script="Mymr" typeface="Myanmar Text"/>
+        <a:font script="Nkoo" typeface="Ebrima"/>
+        <a:font script="Olck" typeface="Nirmala UI"/>
+        <a:font script="Osma" typeface="Ebrima"/>
+        <a:font script="Phag" typeface="Phagspa"/>
+        <a:font script="Syrn" typeface="Estrangelo Edessa"/>
+        <a:font script="Syrj" typeface="Estrangelo Edessa"/>
+        <a:font script="Syre" typeface="Estrangelo Edessa"/>
+        <a:font script="Sora" typeface="Nirmala UI"/>
+        <a:font script="Tale" typeface="Microsoft Tai Le"/>
+        <a:font script="Talu" typeface="Microsoft New Tai Lue"/>
+        <a:font script="Tfng" typeface="Ebrima"/>
+      </a:minorFont>
+    </a:fontScheme>
+    <a:fmtScheme name="Office">
+      <a:fillStyleLst>
+        <a:solidFill>
+          <a:schemeClr val="phClr"/>
+        </a:solidFill>
+        <a:gradFill rotWithShape="1">
+          <a:gsLst>
+            <a:gs pos="0">
+              <a:schemeClr val="phClr">
+                <a:lumMod val="110000"/>
+                <a:satMod val="105000"/>
+                <a:tint val="67000"/>
+              </a:schemeClr>
+            </a:gs>
+            <a:gs pos="50000">
+              <a:schemeClr val="phClr">
+                <a:lumMod val="105000"/>
+                <a:satMod val="103000"/>
+                <a:tint val="73000"/>
+              </a:schemeClr>
+            </a:gs>
+            <a:gs pos="100000">
+              <a:schemeClr val="phClr">
+                <a:lumMod val="105000"/>
+                <a:satMod val="109000"/>
+                <a:tint val="81000"/>
+              </a:schemeClr>
+            </a:gs>
+          </a:gsLst>
+          <a:lin ang="5400000" scaled="0"/>
+        </a:gradFill>
+        <a:gradFill rotWithShape="1">
+          <a:gsLst>
+            <a:gs pos="0">
+              <a:schemeClr val="phClr">
+                <a:satMod val="103000"/>
+                <a:lumMod val="102000"/>
+                <a:tint val="94000"/>
+              </a:schemeClr>
+            </a:gs>
+            <a:gs pos="50000">
+              <a:schemeClr val="phClr">
+                <a:satMod val="110000"/>
+                <a:lumMod val="100000"/>
+                <a:shade val="100000"/>
+              </a:schemeClr>
+            </a:gs>
+            <a:gs pos="100000">
+              <a:schemeClr val="phClr">
+                <a:lumMod val="99000"/>
+                <a:satMod val="120000"/>
+                <a:shade val="78000"/>
+              </a:schemeClr>
+            </a:gs>
+          </a:gsLst>
+          <a:lin ang="5400000" scaled="0"/>
+        </a:gradFill>
+      </a:fillStyleLst>
+      <a:lnStyleLst>
+        <a:ln w="6350" cap="flat" cmpd="sng" algn="ctr">
+          <a:solidFill>
+            <a:schemeClr val="phClr"/>
+          </a:solidFill>
+          <a:prstDash val="solid"/>
+          <a:miter lim="800000"/>
+        </a:ln>
+        <a:ln w="12700" cap="flat" cmpd="sng" algn="ctr">
+          <a:solidFill>
+            <a:schemeClr val="phClr"/>
+          </a:solidFill>
+          <a:prstDash val="solid"/>
+          <a:miter lim="800000"/>
+        </a:ln>
+        <a:ln w="19050" cap="flat" cmpd="sng" algn="ctr">
+          <a:solidFill>
+            <a:schemeClr val="phClr"/>
+          </a:solidFill>
+          <a:prstDash val="solid"/>
+          <a:miter lim="800000"/>
+        </a:ln>
+      </a:lnStyleLst>
+      <a:effectStyleLst>
+        <a:effectStyle>
+          <a:effectLst/>
+        </a:effectStyle>
+        <a:effectStyle>
+          <a:effectLst/>
+        </a:effectStyle>
+        <a:effectStyle>
+          <a:effectLst>
+            <a:outerShdw blurRad="57150" dist="19050" dir="5400000" algn="ctr" rotWithShape="0">
+              <a:srgbClr val="000000">
+                <a:alpha val="63000"/>
+              </a:srgbClr>
+            </a:outerShdw>
+          </a:effectLst>
+        </a:effectStyle>
+      </a:effectStyleLst>
+      <a:bgFillStyleLst>
+        <a:solidFill>
+          <a:schemeClr val="phClr"/>
+        </a:solidFill>
+        <a:solidFill>
+          <a:schemeClr val="phClr">
+            <a:tint val="95000"/>
+            <a:satMod val="170000"/>
+          </a:schemeClr>
+        </a:solidFill>
+        <a:gradFill rotWithShape="1">
+          <a:gsLst>
+            <a:gs pos="0">
+              <a:schemeClr val="phClr">
+                <a:tint val="93000"/>
+                <a:satMod val="150000"/>
+                <a:shade val="98000"/>
+                <a:lumMod val="102000"/>
+              </a:schemeClr>
+            </a:gs>
+            <a:gs pos="50000">
+              <a:schemeClr val="phClr">
+                <a:tint val="98000"/>
+                <a:satMod val="130000"/>
+                <a:shade val="90000"/>
+                <a:lumMod val="103000"/>
+              </a:schemeClr>
+            </a:gs>
+            <a:gs pos="100000">
+              <a:schemeClr val="phClr">
+                <a:shade val="63000"/>
+                <a:satMod val="120000"/>
+              </a:schemeClr>
+            </a:gs>
+          </a:gsLst>
+          <a:lin ang="5400000" scaled="0"/>
+        </a:gradFill>
+      </a:bgFillStyleLst>
+    </a:fmtScheme>
+  </a:themeElements>
+  <a:objectDefaults/>
+  <a:extraClrSchemeLst/>
+  <a:extLst>
+    <a:ext uri="{05A4C25C-085E-4340-85A3-A5531E510DB2}">
+      <thm15:themeFamily xmlns:thm15="http://schemas.microsoft.com/office/thememl/2012/main" name="Office Theme" id="{62F939B6-93AF-4DB8-9C6B-D6C7DFDC589F}" vid="{4A3C46E8-61CC-4603-A589-7422A47A8E4A}"/>
+    </a:ext>
+  </a:extLst>
+</a:theme>
 </file>